--- a/발표 자료/DECS_5차 발표 자료.pptx
+++ b/발표 자료/DECS_5차 발표 자료.pptx
@@ -5,7 +5,7 @@
     <p:sldMasterId id="2147483648" r:id="rId1"/>
   </p:sldMasterIdLst>
   <p:notesMasterIdLst>
-    <p:notesMasterId r:id="rId17"/>
+    <p:notesMasterId r:id="rId19"/>
   </p:notesMasterIdLst>
   <p:sldIdLst>
     <p:sldId id="256" r:id="rId2"/>
@@ -19,30 +19,32 @@
     <p:sldId id="289" r:id="rId10"/>
     <p:sldId id="280" r:id="rId11"/>
     <p:sldId id="291" r:id="rId12"/>
-    <p:sldId id="259" r:id="rId13"/>
-    <p:sldId id="261" r:id="rId14"/>
-    <p:sldId id="293" r:id="rId15"/>
-    <p:sldId id="278" r:id="rId16"/>
+    <p:sldId id="292" r:id="rId13"/>
+    <p:sldId id="258" r:id="rId14"/>
+    <p:sldId id="259" r:id="rId15"/>
+    <p:sldId id="261" r:id="rId16"/>
+    <p:sldId id="293" r:id="rId17"/>
+    <p:sldId id="278" r:id="rId18"/>
   </p:sldIdLst>
   <p:sldSz cx="18288000" cy="10287000"/>
   <p:notesSz cx="6858000" cy="9144000"/>
   <p:embeddedFontLst>
     <p:embeddedFont>
       <p:font typeface="나눔스퀘어OTF" panose="020B0600000101010101" pitchFamily="34" charset="-127"/>
-      <p:regular r:id="rId18"/>
+      <p:regular r:id="rId20"/>
     </p:embeddedFont>
     <p:embeddedFont>
       <p:font typeface="나눔스퀘어OTF Bold" panose="020B0600000101010101" pitchFamily="34" charset="-127"/>
-      <p:bold r:id="rId19"/>
+      <p:bold r:id="rId21"/>
     </p:embeddedFont>
     <p:embeddedFont>
       <p:font typeface="나눔스퀘어OTF ExtraBold" panose="020B0600000101010101" pitchFamily="34" charset="-127"/>
-      <p:bold r:id="rId20"/>
+      <p:bold r:id="rId22"/>
     </p:embeddedFont>
     <p:embeddedFont>
       <p:font typeface="맑은 고딕" panose="020B0503020000020004" pitchFamily="50" charset="-127"/>
-      <p:regular r:id="rId21"/>
-      <p:bold r:id="rId22"/>
+      <p:regular r:id="rId23"/>
+      <p:bold r:id="rId24"/>
     </p:embeddedFont>
   </p:embeddedFontLst>
   <p:defaultTextStyle>
@@ -2822,6 +2824,94 @@
             <a:pPr lvl="0">
               <a:defRPr/>
             </a:pPr>
+            <a:endParaRPr kumimoji="1" lang="ko-KR" altLang="en-US" dirty="0"/>
+          </a:p>
+        </p:txBody>
+      </p:sp>
+      <p:sp>
+        <p:nvSpPr>
+          <p:cNvPr id="4" name="슬라이드 번호 개체 틀 3"/>
+          <p:cNvSpPr>
+            <a:spLocks noGrp="1"/>
+          </p:cNvSpPr>
+          <p:nvPr>
+            <p:ph type="sldNum" sz="quarter" idx="5"/>
+          </p:nvPr>
+        </p:nvSpPr>
+        <p:spPr/>
+        <p:txBody>
+          <a:bodyPr/>
+          <a:lstStyle/>
+          <a:p>
+            <a:pPr lvl="0">
+              <a:defRPr/>
+            </a:pPr>
+            <a:fld id="{EC6AAE01-508B-4645-B501-C4993A34EDEB}" type="slidenum">
+              <a:rPr kumimoji="1" lang="en-US" altLang="en-US"/>
+              <a:pPr lvl="0">
+                <a:defRPr/>
+              </a:pPr>
+              <a:t>13</a:t>
+            </a:fld>
+            <a:endParaRPr kumimoji="1" lang="en-US" altLang="en-US"/>
+          </a:p>
+        </p:txBody>
+      </p:sp>
+    </p:spTree>
+  </p:cSld>
+  <p:clrMapOvr>
+    <a:masterClrMapping/>
+  </p:clrMapOvr>
+</p:notes>
+</file>
+
+<file path=ppt/notesSlides/notesSlide5.xml><?xml version="1.0" encoding="utf-8"?>
+<p:notes xmlns:a="http://schemas.openxmlformats.org/drawingml/2006/main" xmlns:r="http://schemas.openxmlformats.org/officeDocument/2006/relationships" xmlns:p="http://schemas.openxmlformats.org/presentationml/2006/main">
+  <p:cSld>
+    <p:spTree>
+      <p:nvGrpSpPr>
+        <p:cNvPr id="1" name=""/>
+        <p:cNvGrpSpPr/>
+        <p:nvPr/>
+      </p:nvGrpSpPr>
+      <p:grpSpPr>
+        <a:xfrm>
+          <a:off x="0" y="0"/>
+          <a:ext cx="0" cy="0"/>
+          <a:chOff x="0" y="0"/>
+          <a:chExt cx="0" cy="0"/>
+        </a:xfrm>
+      </p:grpSpPr>
+      <p:sp>
+        <p:nvSpPr>
+          <p:cNvPr id="2" name="슬라이드 이미지 개체 틀 1"/>
+          <p:cNvSpPr>
+            <a:spLocks noGrp="1" noRot="1" noChangeAspect="1" noTextEdit="1"/>
+          </p:cNvSpPr>
+          <p:nvPr>
+            <p:ph type="sldImg"/>
+          </p:nvPr>
+        </p:nvSpPr>
+        <p:spPr/>
+      </p:sp>
+      <p:sp>
+        <p:nvSpPr>
+          <p:cNvPr id="3" name="슬라이드 노트 개체 틀 2"/>
+          <p:cNvSpPr>
+            <a:spLocks noGrp="1"/>
+          </p:cNvSpPr>
+          <p:nvPr>
+            <p:ph type="body" idx="1"/>
+          </p:nvPr>
+        </p:nvSpPr>
+        <p:spPr/>
+        <p:txBody>
+          <a:bodyPr/>
+          <a:lstStyle/>
+          <a:p>
+            <a:pPr lvl="0">
+              <a:defRPr/>
+            </a:pPr>
             <a:endParaRPr kumimoji="1" lang="ko-KR" altLang="en-US"/>
           </a:p>
         </p:txBody>
@@ -2849,7 +2939,100 @@
               <a:pPr lvl="0">
                 <a:defRPr/>
               </a:pPr>
-              <a:t>13</a:t>
+              <a:t>14</a:t>
+            </a:fld>
+            <a:endParaRPr kumimoji="1" lang="en-US" altLang="en-US"/>
+          </a:p>
+        </p:txBody>
+      </p:sp>
+    </p:spTree>
+    <p:extLst>
+      <p:ext uri="{BB962C8B-B14F-4D97-AF65-F5344CB8AC3E}">
+        <p14:creationId xmlns:p14="http://schemas.microsoft.com/office/powerpoint/2010/main" val="4225750880"/>
+      </p:ext>
+    </p:extLst>
+  </p:cSld>
+  <p:clrMapOvr>
+    <a:masterClrMapping/>
+  </p:clrMapOvr>
+</p:notes>
+</file>
+
+<file path=ppt/notesSlides/notesSlide6.xml><?xml version="1.0" encoding="utf-8"?>
+<p:notes xmlns:a="http://schemas.openxmlformats.org/drawingml/2006/main" xmlns:r="http://schemas.openxmlformats.org/officeDocument/2006/relationships" xmlns:p="http://schemas.openxmlformats.org/presentationml/2006/main">
+  <p:cSld>
+    <p:spTree>
+      <p:nvGrpSpPr>
+        <p:cNvPr id="1" name=""/>
+        <p:cNvGrpSpPr/>
+        <p:nvPr/>
+      </p:nvGrpSpPr>
+      <p:grpSpPr>
+        <a:xfrm>
+          <a:off x="0" y="0"/>
+          <a:ext cx="0" cy="0"/>
+          <a:chOff x="0" y="0"/>
+          <a:chExt cx="0" cy="0"/>
+        </a:xfrm>
+      </p:grpSpPr>
+      <p:sp>
+        <p:nvSpPr>
+          <p:cNvPr id="2" name="슬라이드 이미지 개체 틀 1"/>
+          <p:cNvSpPr>
+            <a:spLocks noGrp="1" noRot="1" noChangeAspect="1" noTextEdit="1"/>
+          </p:cNvSpPr>
+          <p:nvPr>
+            <p:ph type="sldImg"/>
+          </p:nvPr>
+        </p:nvSpPr>
+        <p:spPr/>
+      </p:sp>
+      <p:sp>
+        <p:nvSpPr>
+          <p:cNvPr id="3" name="슬라이드 노트 개체 틀 2"/>
+          <p:cNvSpPr>
+            <a:spLocks noGrp="1"/>
+          </p:cNvSpPr>
+          <p:nvPr>
+            <p:ph type="body" idx="1"/>
+          </p:nvPr>
+        </p:nvSpPr>
+        <p:spPr/>
+        <p:txBody>
+          <a:bodyPr/>
+          <a:lstStyle/>
+          <a:p>
+            <a:pPr lvl="0">
+              <a:defRPr/>
+            </a:pPr>
+            <a:endParaRPr kumimoji="1" lang="ko-KR" altLang="en-US"/>
+          </a:p>
+        </p:txBody>
+      </p:sp>
+      <p:sp>
+        <p:nvSpPr>
+          <p:cNvPr id="4" name="슬라이드 번호 개체 틀 3"/>
+          <p:cNvSpPr>
+            <a:spLocks noGrp="1"/>
+          </p:cNvSpPr>
+          <p:nvPr>
+            <p:ph type="sldNum" sz="quarter" idx="5"/>
+          </p:nvPr>
+        </p:nvSpPr>
+        <p:spPr/>
+        <p:txBody>
+          <a:bodyPr/>
+          <a:lstStyle/>
+          <a:p>
+            <a:pPr lvl="0">
+              <a:defRPr/>
+            </a:pPr>
+            <a:fld id="{EC6AAE01-508B-4645-B501-C4993A34EDEB}" type="slidenum">
+              <a:rPr kumimoji="1" lang="en-US" altLang="en-US"/>
+              <a:pPr lvl="0">
+                <a:defRPr/>
+              </a:pPr>
+              <a:t>15</a:t>
             </a:fld>
             <a:endParaRPr kumimoji="1" lang="en-US" altLang="en-US"/>
           </a:p>
@@ -8321,7 +8504,7 @@
                 </a:solidFill>
                 <a:latin typeface="나눔스퀘어OTF"/>
               </a:rPr>
-              <a:t>11</a:t>
+              <a:t>12</a:t>
             </a:r>
           </a:p>
         </p:txBody>
@@ -8791,10 +8974,10 @@
       </p:grpSp>
       <p:grpSp>
         <p:nvGrpSpPr>
-          <p:cNvPr id="16" name="그룹 15">
+          <p:cNvPr id="9" name="그룹 8">
             <a:extLst>
               <a:ext uri="{FF2B5EF4-FFF2-40B4-BE49-F238E27FC236}">
-                <a16:creationId xmlns:a16="http://schemas.microsoft.com/office/drawing/2014/main" id="{D172D626-61EC-D66C-3B34-5D557E22426A}"/>
+                <a16:creationId xmlns:a16="http://schemas.microsoft.com/office/drawing/2014/main" id="{EF55728B-D9F0-5BA2-02CF-7511B41B8567}"/>
               </a:ext>
             </a:extLst>
           </p:cNvPr>
@@ -8803,233 +8986,186 @@
         </p:nvGrpSpPr>
         <p:grpSpPr>
           <a:xfrm>
-            <a:off x="1497600" y="6260400"/>
-            <a:ext cx="8040100" cy="2711712"/>
-            <a:chOff x="1512189" y="2988373"/>
-            <a:chExt cx="7768800" cy="2711712"/>
+            <a:off x="1498600" y="6259708"/>
+            <a:ext cx="8864600" cy="2610810"/>
+            <a:chOff x="1498600" y="5803900"/>
+            <a:chExt cx="8864600" cy="2610810"/>
           </a:xfrm>
         </p:grpSpPr>
+        <p:sp>
+          <p:nvSpPr>
+            <p:cNvPr id="24" name="TextBox 3"/>
+            <p:cNvSpPr txBox="1"/>
+            <p:nvPr/>
+          </p:nvSpPr>
+          <p:spPr>
+            <a:xfrm>
+              <a:off x="2298985" y="6667500"/>
+              <a:ext cx="8064215" cy="1747210"/>
+            </a:xfrm>
+            <a:prstGeom prst="rect">
+              <a:avLst/>
+            </a:prstGeom>
+          </p:spPr>
+          <p:txBody>
+            <a:bodyPr wrap="square" lIns="0" tIns="0" rIns="0" bIns="0" anchor="t">
+              <a:spAutoFit/>
+            </a:bodyPr>
+            <a:lstStyle/>
+            <a:p>
+              <a:pPr lvl="0">
+                <a:lnSpc>
+                  <a:spcPct val="120000"/>
+                </a:lnSpc>
+                <a:defRPr/>
+              </a:pPr>
+              <a:r>
+                <a:rPr lang="ko-KR" altLang="en-US" sz="2400" b="0" i="0" dirty="0">
+                  <a:effectLst/>
+                  <a:latin typeface="나눔스퀘어OTF" panose="020B0600000101010101" pitchFamily="34" charset="-127"/>
+                  <a:ea typeface="나눔스퀘어OTF" panose="020B0600000101010101" pitchFamily="34" charset="-127"/>
+                </a:rPr>
+                <a:t>정상적인 데이터만 있는 데이터셋에서 </a:t>
+              </a:r>
+              <a:r>
+                <a:rPr lang="ko-KR" altLang="en-US" sz="2400" b="0" i="0" dirty="0">
+                  <a:effectLst/>
+                  <a:latin typeface="나눔스퀘어OTF ExtraBold" panose="020B0600000101010101" pitchFamily="34" charset="-127"/>
+                  <a:ea typeface="나눔스퀘어OTF ExtraBold" panose="020B0600000101010101" pitchFamily="34" charset="-127"/>
+                </a:rPr>
+                <a:t>모델을 학습</a:t>
+              </a:r>
+              <a:r>
+                <a:rPr lang="ko-KR" altLang="en-US" sz="2400" b="0" i="0" dirty="0">
+                  <a:effectLst/>
+                  <a:latin typeface="나눔스퀘어OTF" panose="020B0600000101010101" pitchFamily="34" charset="-127"/>
+                  <a:ea typeface="나눔스퀘어OTF" panose="020B0600000101010101" pitchFamily="34" charset="-127"/>
+                </a:rPr>
+                <a:t>하는 방식</a:t>
+              </a:r>
+            </a:p>
+            <a:p>
+              <a:pPr lvl="0">
+                <a:lnSpc>
+                  <a:spcPct val="120000"/>
+                </a:lnSpc>
+                <a:defRPr/>
+              </a:pPr>
+              <a:endParaRPr lang="en-US" altLang="ko-KR" sz="2400" dirty="0">
+                <a:latin typeface="나눔스퀘어OTF" panose="020B0600000101010101" pitchFamily="34" charset="-127"/>
+                <a:ea typeface="나눔스퀘어OTF" panose="020B0600000101010101" pitchFamily="34" charset="-127"/>
+              </a:endParaRPr>
+            </a:p>
+            <a:p>
+              <a:pPr lvl="0">
+                <a:lnSpc>
+                  <a:spcPct val="120000"/>
+                </a:lnSpc>
+                <a:defRPr/>
+              </a:pPr>
+              <a:r>
+                <a:rPr lang="ko-KR" altLang="en-US" sz="2400" dirty="0">
+                  <a:latin typeface="나눔스퀘어OTF" panose="020B0600000101010101" pitchFamily="34" charset="-127"/>
+                  <a:ea typeface="나눔스퀘어OTF" panose="020B0600000101010101" pitchFamily="34" charset="-127"/>
+                </a:rPr>
+                <a:t>비지도 학습 모델은 레이블이 지정되지 않은 데이터의 </a:t>
+              </a:r>
+            </a:p>
+            <a:p>
+              <a:pPr lvl="0">
+                <a:lnSpc>
+                  <a:spcPct val="120000"/>
+                </a:lnSpc>
+                <a:defRPr/>
+              </a:pPr>
+              <a:r>
+                <a:rPr lang="ko-KR" altLang="en-US" sz="2400" dirty="0">
+                  <a:latin typeface="나눔스퀘어OTF" panose="020B0600000101010101" pitchFamily="34" charset="-127"/>
+                  <a:ea typeface="나눔스퀘어OTF" panose="020B0600000101010101" pitchFamily="34" charset="-127"/>
+                </a:rPr>
+                <a:t>고유한 구조를 발견하기 위해 </a:t>
+              </a:r>
+              <a:r>
+                <a:rPr lang="ko-KR" altLang="en-US" sz="2400" dirty="0">
+                  <a:latin typeface="나눔스퀘어OTF ExtraBold" panose="020B0600000101010101" pitchFamily="34" charset="-127"/>
+                  <a:ea typeface="나눔스퀘어OTF ExtraBold" panose="020B0600000101010101" pitchFamily="34" charset="-127"/>
+                </a:rPr>
+                <a:t>자체적으로 작동</a:t>
+              </a:r>
+              <a:endParaRPr lang="ko-KR" altLang="en-US" sz="2400" dirty="0">
+                <a:latin typeface="나눔스퀘어OTF" panose="020B0600000101010101" pitchFamily="34" charset="-127"/>
+                <a:ea typeface="나눔스퀘어OTF" panose="020B0600000101010101" pitchFamily="34" charset="-127"/>
+              </a:endParaRPr>
+            </a:p>
+          </p:txBody>
+        </p:sp>
+        <p:sp>
+          <p:nvSpPr>
+            <p:cNvPr id="30" name="TextBox 6"/>
+            <p:cNvSpPr txBox="1"/>
+            <p:nvPr/>
+          </p:nvSpPr>
+          <p:spPr>
+            <a:xfrm>
+              <a:off x="2438400" y="5981700"/>
+              <a:ext cx="2506436" cy="451277"/>
+            </a:xfrm>
+            <a:prstGeom prst="rect">
+              <a:avLst/>
+            </a:prstGeom>
+          </p:spPr>
+          <p:txBody>
+            <a:bodyPr wrap="square" lIns="0" tIns="0" rIns="0" bIns="0" anchor="t">
+              <a:spAutoFit/>
+            </a:bodyPr>
+            <a:lstStyle/>
+            <a:p>
+              <a:pPr algn="l">
+                <a:lnSpc>
+                  <a:spcPts val="3359"/>
+                </a:lnSpc>
+                <a:spcBef>
+                  <a:spcPct val="0"/>
+                </a:spcBef>
+                <a:defRPr/>
+              </a:pPr>
+              <a:r>
+                <a:rPr lang="ko-KR" altLang="en-US" sz="3500" spc="-45" dirty="0">
+                  <a:solidFill>
+                    <a:schemeClr val="tx1"/>
+                  </a:solidFill>
+                  <a:latin typeface="나눔스퀘어OTF Bold" panose="020B0600000101010101" pitchFamily="34" charset="-127"/>
+                  <a:ea typeface="나눔스퀘어OTF Bold" panose="020B0600000101010101" pitchFamily="34" charset="-127"/>
+                </a:rPr>
+                <a:t>비지도 학습</a:t>
+              </a:r>
+              <a:endParaRPr lang="en-US" sz="3500" spc="-45" dirty="0">
+                <a:solidFill>
+                  <a:schemeClr val="tx1"/>
+                </a:solidFill>
+                <a:latin typeface="나눔스퀘어OTF Bold" panose="020B0600000101010101" pitchFamily="34" charset="-127"/>
+                <a:ea typeface="나눔스퀘어OTF Bold" panose="020B0600000101010101" pitchFamily="34" charset="-127"/>
+              </a:endParaRPr>
+            </a:p>
+          </p:txBody>
+        </p:sp>
         <p:grpSp>
           <p:nvGrpSpPr>
-            <p:cNvPr id="17" name="그룹 16">
-              <a:extLst>
-                <a:ext uri="{FF2B5EF4-FFF2-40B4-BE49-F238E27FC236}">
-                  <a16:creationId xmlns:a16="http://schemas.microsoft.com/office/drawing/2014/main" id="{AE960E64-679E-24CE-E47B-F064799D0A94}"/>
-                </a:ext>
-              </a:extLst>
-            </p:cNvPr>
+            <p:cNvPr id="39" name="그룹 38"/>
             <p:cNvGrpSpPr/>
             <p:nvPr/>
           </p:nvGrpSpPr>
           <p:grpSpPr>
             <a:xfrm>
-              <a:off x="1512189" y="2988373"/>
-              <a:ext cx="7768800" cy="2711712"/>
-              <a:chOff x="1512189" y="2988373"/>
-              <a:chExt cx="7768800" cy="2711712"/>
+              <a:off x="1498600" y="5803900"/>
+              <a:ext cx="787400" cy="787400"/>
+              <a:chOff x="1498600" y="5803900"/>
+              <a:chExt cx="787400" cy="787400"/>
             </a:xfrm>
           </p:grpSpPr>
-          <p:sp>
-            <p:nvSpPr>
-              <p:cNvPr id="19" name="TextBox 6">
-                <a:extLst>
-                  <a:ext uri="{FF2B5EF4-FFF2-40B4-BE49-F238E27FC236}">
-                    <a16:creationId xmlns:a16="http://schemas.microsoft.com/office/drawing/2014/main" id="{B049DD92-71B5-1D24-7B88-A7601602789F}"/>
-                  </a:ext>
-                </a:extLst>
-              </p:cNvPr>
-              <p:cNvSpPr txBox="1"/>
-              <p:nvPr/>
-            </p:nvSpPr>
-            <p:spPr>
-              <a:xfrm>
-                <a:off x="2520315" y="3168396"/>
-                <a:ext cx="4283923" cy="451277"/>
-              </a:xfrm>
-              <a:prstGeom prst="rect">
-                <a:avLst/>
-              </a:prstGeom>
-            </p:spPr>
-            <p:txBody>
-              <a:bodyPr lIns="0" tIns="0" rIns="0" bIns="0" anchor="t">
-                <a:spAutoFit/>
-              </a:bodyPr>
-              <a:lstStyle/>
-              <a:p>
-                <a:pPr>
-                  <a:lnSpc>
-                    <a:spcPts val="3359"/>
-                  </a:lnSpc>
-                  <a:spcBef>
-                    <a:spcPct val="0"/>
-                  </a:spcBef>
-                  <a:defRPr/>
-                </a:pPr>
-                <a:r>
-                  <a:rPr lang="en-US" altLang="ko-KR" sz="3500" spc="-45" dirty="0">
-                    <a:solidFill>
-                      <a:schemeClr val="dk1"/>
-                    </a:solidFill>
-                    <a:latin typeface="나눔스퀘어OTF Bold" panose="020B0600000101010101" pitchFamily="34" charset="-127"/>
-                    <a:ea typeface="나눔스퀘어OTF Bold" panose="020B0600000101010101" pitchFamily="34" charset="-127"/>
-                  </a:rPr>
-                  <a:t>Autoencoder</a:t>
-                </a:r>
-              </a:p>
-            </p:txBody>
-          </p:sp>
-          <p:sp>
-            <p:nvSpPr>
-              <p:cNvPr id="20" name="TextBox 3">
-                <a:extLst>
-                  <a:ext uri="{FF2B5EF4-FFF2-40B4-BE49-F238E27FC236}">
-                    <a16:creationId xmlns:a16="http://schemas.microsoft.com/office/drawing/2014/main" id="{7488AF74-CBC1-BCE5-1C44-61008D619C31}"/>
-                  </a:ext>
-                </a:extLst>
-              </p:cNvPr>
-              <p:cNvSpPr txBox="1"/>
-              <p:nvPr/>
-            </p:nvSpPr>
-            <p:spPr>
-              <a:xfrm>
-                <a:off x="2307789" y="3952875"/>
-                <a:ext cx="6973200" cy="1747210"/>
-              </a:xfrm>
-              <a:prstGeom prst="rect">
-                <a:avLst/>
-              </a:prstGeom>
-            </p:spPr>
-            <p:txBody>
-              <a:bodyPr wrap="square" lIns="0" tIns="0" rIns="0" bIns="0" anchor="t">
-                <a:spAutoFit/>
-              </a:bodyPr>
-              <a:lstStyle/>
-              <a:p>
-                <a:pPr>
-                  <a:lnSpc>
-                    <a:spcPct val="120000"/>
-                  </a:lnSpc>
-                  <a:defRPr/>
-                </a:pPr>
-                <a:r>
-                  <a:rPr lang="ko-KR" altLang="en-US" sz="2400" i="0" dirty="0" err="1">
-                    <a:effectLst/>
-                    <a:latin typeface="나눔스퀘어OTF ExtraBold" panose="020B0600000101010101" pitchFamily="34" charset="-127"/>
-                    <a:ea typeface="나눔스퀘어OTF ExtraBold" panose="020B0600000101010101" pitchFamily="34" charset="-127"/>
-                  </a:rPr>
-                  <a:t>오토인코더</a:t>
-                </a:r>
-                <a:r>
-                  <a:rPr lang="ko-KR" altLang="en-US" sz="2400" i="0" dirty="0">
-                    <a:effectLst/>
-                    <a:latin typeface="나눔스퀘어OTF ExtraBold" panose="020B0600000101010101" pitchFamily="34" charset="-127"/>
-                    <a:ea typeface="나눔스퀘어OTF ExtraBold" panose="020B0600000101010101" pitchFamily="34" charset="-127"/>
-                  </a:rPr>
-                  <a:t> </a:t>
-                </a:r>
-                <a:r>
-                  <a:rPr lang="en-US" altLang="ko-KR" sz="2400" i="0" dirty="0">
-                    <a:effectLst/>
-                    <a:latin typeface="나눔스퀘어OTF ExtraBold" panose="020B0600000101010101" pitchFamily="34" charset="-127"/>
-                    <a:ea typeface="나눔스퀘어OTF ExtraBold" panose="020B0600000101010101" pitchFamily="34" charset="-127"/>
-                  </a:rPr>
-                  <a:t>(</a:t>
-                </a:r>
-                <a:r>
-                  <a:rPr lang="en" altLang="ko-KR" sz="2400" i="0" dirty="0">
-                    <a:effectLst/>
-                    <a:latin typeface="나눔스퀘어OTF ExtraBold" panose="020B0600000101010101" pitchFamily="34" charset="-127"/>
-                    <a:ea typeface="나눔스퀘어OTF ExtraBold" panose="020B0600000101010101" pitchFamily="34" charset="-127"/>
-                  </a:rPr>
-                  <a:t>Autoencoder)</a:t>
-                </a:r>
-                <a:r>
-                  <a:rPr lang="ko-KR" altLang="en-US" sz="2400" b="0" i="0" dirty="0">
-                    <a:effectLst/>
-                    <a:latin typeface="나눔스퀘어OTF" panose="020B0600000101010101" pitchFamily="34" charset="-127"/>
-                    <a:ea typeface="나눔스퀘어OTF" panose="020B0600000101010101" pitchFamily="34" charset="-127"/>
-                  </a:rPr>
-                  <a:t>란 비지도 학습에서 사용되는 인공신경망 알고리즘으로</a:t>
-                </a:r>
-                <a:r>
-                  <a:rPr lang="en-US" altLang="ko-KR" sz="2400" b="0" i="0" dirty="0">
-                    <a:effectLst/>
-                    <a:latin typeface="나눔스퀘어OTF" panose="020B0600000101010101" pitchFamily="34" charset="-127"/>
-                    <a:ea typeface="나눔스퀘어OTF" panose="020B0600000101010101" pitchFamily="34" charset="-127"/>
-                  </a:rPr>
-                  <a:t>,</a:t>
-                </a:r>
-                <a:r>
-                  <a:rPr lang="ko-KR" altLang="en-US" sz="2400" b="0" i="0" dirty="0">
-                    <a:effectLst/>
-                    <a:latin typeface="나눔스퀘어OTF" panose="020B0600000101010101" pitchFamily="34" charset="-127"/>
-                    <a:ea typeface="나눔스퀘어OTF" panose="020B0600000101010101" pitchFamily="34" charset="-127"/>
-                  </a:rPr>
-                  <a:t> 입력이 들어왔을 때의</a:t>
-                </a:r>
-                <a:r>
-                  <a:rPr lang="en-US" altLang="ko-KR" sz="2400" dirty="0">
-                    <a:latin typeface="나눔스퀘어OTF" panose="020B0600000101010101" pitchFamily="34" charset="-127"/>
-                    <a:ea typeface="나눔스퀘어OTF" panose="020B0600000101010101" pitchFamily="34" charset="-127"/>
-                  </a:rPr>
-                  <a:t> </a:t>
-                </a:r>
-                <a:r>
-                  <a:rPr lang="ko-KR" altLang="en-US" sz="2400" b="0" i="0" dirty="0">
-                    <a:effectLst/>
-                    <a:latin typeface="나눔스퀘어OTF" panose="020B0600000101010101" pitchFamily="34" charset="-127"/>
-                    <a:ea typeface="나눔스퀘어OTF" panose="020B0600000101010101" pitchFamily="34" charset="-127"/>
-                  </a:rPr>
-                  <a:t>해당 입력 데이터를 최대한 압축</a:t>
-                </a:r>
-                <a:r>
-                  <a:rPr lang="ko-KR" altLang="en-US" sz="2400" dirty="0">
-                    <a:latin typeface="나눔스퀘어OTF" panose="020B0600000101010101" pitchFamily="34" charset="-127"/>
-                    <a:ea typeface="나눔스퀘어OTF" panose="020B0600000101010101" pitchFamily="34" charset="-127"/>
-                  </a:rPr>
-                  <a:t> </a:t>
-                </a:r>
-                <a:r>
-                  <a:rPr lang="ko-KR" altLang="en-US" sz="2400" b="0" i="0" dirty="0">
-                    <a:effectLst/>
-                    <a:latin typeface="나눔스퀘어OTF" panose="020B0600000101010101" pitchFamily="34" charset="-127"/>
-                    <a:ea typeface="나눔스퀘어OTF" panose="020B0600000101010101" pitchFamily="34" charset="-127"/>
-                  </a:rPr>
-                  <a:t>시킨 후</a:t>
-                </a:r>
-                <a:r>
-                  <a:rPr lang="en-US" altLang="ko-KR" sz="2400" b="0" i="0" dirty="0">
-                    <a:effectLst/>
-                    <a:latin typeface="나눔스퀘어OTF" panose="020B0600000101010101" pitchFamily="34" charset="-127"/>
-                    <a:ea typeface="나눔스퀘어OTF" panose="020B0600000101010101" pitchFamily="34" charset="-127"/>
-                  </a:rPr>
-                  <a:t>, </a:t>
-                </a:r>
-                <a:r>
-                  <a:rPr lang="ko-KR" altLang="en-US" sz="2400" b="0" i="0" dirty="0">
-                    <a:effectLst/>
-                    <a:latin typeface="나눔스퀘어OTF" panose="020B0600000101010101" pitchFamily="34" charset="-127"/>
-                    <a:ea typeface="나눔스퀘어OTF" panose="020B0600000101010101" pitchFamily="34" charset="-127"/>
-                  </a:rPr>
-                  <a:t>압축된 데이터를 다시 본래의 입력 형태로 복원 시키는 신경망</a:t>
-                </a:r>
-                <a:endParaRPr lang="en-US" altLang="ko-KR" sz="2400" b="0" i="0" dirty="0">
-                  <a:effectLst/>
-                  <a:latin typeface="나눔스퀘어OTF" panose="020B0600000101010101" pitchFamily="34" charset="-127"/>
-                  <a:ea typeface="나눔스퀘어OTF" panose="020B0600000101010101" pitchFamily="34" charset="-127"/>
-                </a:endParaRPr>
-              </a:p>
-            </p:txBody>
-          </p:sp>
           <p:pic>
             <p:nvPicPr>
-              <p:cNvPr id="21" name="Picture 21">
-                <a:extLst>
-                  <a:ext uri="{FF2B5EF4-FFF2-40B4-BE49-F238E27FC236}">
-                    <a16:creationId xmlns:a16="http://schemas.microsoft.com/office/drawing/2014/main" id="{BE1F5A58-0B22-5F40-5560-A32A7AB03670}"/>
-                  </a:ext>
-                </a:extLst>
-              </p:cNvPr>
+              <p:cNvPr id="37" name="Picture 21"/>
               <p:cNvPicPr>
                 <a:picLocks noChangeAspect="1"/>
               </p:cNvPicPr>
@@ -9046,7 +9182,7 @@
             </p:blipFill>
             <p:spPr>
               <a:xfrm>
-                <a:off x="1512189" y="2988373"/>
+                <a:off x="1498600" y="5803900"/>
                 <a:ext cx="787400" cy="787400"/>
               </a:xfrm>
               <a:prstGeom prst="rect">
@@ -9055,53 +9191,335 @@
               <a:noFill/>
             </p:spPr>
           </p:pic>
+          <p:pic>
+            <p:nvPicPr>
+              <p:cNvPr id="38" name="그림 37"/>
+              <p:cNvPicPr>
+                <a:picLocks noChangeAspect="1"/>
+              </p:cNvPicPr>
+              <p:nvPr/>
+            </p:nvPicPr>
+            <p:blipFill rotWithShape="1">
+              <a:blip r:embed="rId9"/>
+              <a:stretch>
+                <a:fillRect/>
+              </a:stretch>
+            </p:blipFill>
+            <p:spPr>
+              <a:xfrm>
+                <a:off x="1581150" y="5886527"/>
+                <a:ext cx="609523" cy="609523"/>
+              </a:xfrm>
+              <a:prstGeom prst="rect">
+                <a:avLst/>
+              </a:prstGeom>
+            </p:spPr>
+          </p:pic>
         </p:grpSp>
-        <p:pic>
-          <p:nvPicPr>
-            <p:cNvPr id="18" name="그림 17">
-              <a:extLst>
-                <a:ext uri="{FF2B5EF4-FFF2-40B4-BE49-F238E27FC236}">
-                  <a16:creationId xmlns:a16="http://schemas.microsoft.com/office/drawing/2014/main" id="{3E49B720-9F11-3EED-F4F9-F7411A5D9015}"/>
-                </a:ext>
-              </a:extLst>
-            </p:cNvPr>
-            <p:cNvPicPr>
-              <a:picLocks noChangeAspect="1"/>
-            </p:cNvPicPr>
-            <p:nvPr/>
-          </p:nvPicPr>
-          <p:blipFill rotWithShape="1">
-            <a:blip r:embed="rId9"/>
-            <a:stretch>
-              <a:fillRect/>
-            </a:stretch>
-          </p:blipFill>
-          <p:spPr>
-            <a:xfrm>
-              <a:off x="1601127" y="3132627"/>
-              <a:ext cx="609523" cy="609523"/>
-            </a:xfrm>
-            <a:prstGeom prst="rect">
-              <a:avLst/>
-            </a:prstGeom>
-          </p:spPr>
-        </p:pic>
       </p:grpSp>
-      <p:grpSp>
-        <p:nvGrpSpPr>
-          <p:cNvPr id="22" name="그룹 21">
+      <p:pic>
+        <p:nvPicPr>
+          <p:cNvPr id="40" name="그림 39"/>
+          <p:cNvPicPr>
+            <a:picLocks noChangeAspect="1"/>
+          </p:cNvPicPr>
+          <p:nvPr/>
+        </p:nvPicPr>
+        <p:blipFill rotWithShape="1">
+          <a:blip r:embed="rId10"/>
+          <a:stretch>
+            <a:fillRect/>
+          </a:stretch>
+        </p:blipFill>
+        <p:spPr>
+          <a:xfrm>
+            <a:off x="9982200" y="3094392"/>
+            <a:ext cx="7594600" cy="5181600"/>
+          </a:xfrm>
+          <a:prstGeom prst="rect">
+            <a:avLst/>
+          </a:prstGeom>
+        </p:spPr>
+      </p:pic>
+    </p:spTree>
+  </p:cSld>
+  <p:clrMapOvr>
+    <a:masterClrMapping/>
+  </p:clrMapOvr>
+  <mc:AlternateContent xmlns:mc="http://schemas.openxmlformats.org/markup-compatibility/2006" xmlns:p14="http://schemas.microsoft.com/office/powerpoint/2010/main">
+    <mc:Choice Requires="p14">
+      <p:transition/>
+    </mc:Choice>
+    <mc:Fallback xmlns="" xmlns:c="http://schemas.openxmlformats.org/drawingml/2006/chart" xmlns:dgm="http://schemas.openxmlformats.org/drawingml/2006/diagram" xmlns:dsp="http://schemas.microsoft.com/office/drawing/2008/diagram">
+      <p:transition/>
+    </mc:Fallback>
+  </mc:AlternateContent>
+</p:sld>
+</file>
+
+<file path=ppt/slides/slide12.xml><?xml version="1.0" encoding="utf-8"?>
+<p:sld xmlns:a="http://schemas.openxmlformats.org/drawingml/2006/main" xmlns:r="http://schemas.openxmlformats.org/officeDocument/2006/relationships" xmlns:p="http://schemas.openxmlformats.org/presentationml/2006/main">
+  <p:cSld>
+    <p:bg>
+      <p:bgPr>
+        <a:solidFill>
+          <a:srgbClr val="EBF4F7"/>
+        </a:solidFill>
+        <a:effectLst/>
+      </p:bgPr>
+    </p:bg>
+    <p:spTree>
+      <p:nvGrpSpPr>
+        <p:cNvPr id="1" name=""/>
+        <p:cNvGrpSpPr/>
+        <p:nvPr/>
+      </p:nvGrpSpPr>
+      <p:grpSpPr>
+        <a:xfrm>
+          <a:off x="0" y="0"/>
+          <a:ext cx="0" cy="0"/>
+          <a:chOff x="0" y="0"/>
+          <a:chExt cx="0" cy="0"/>
+        </a:xfrm>
+      </p:grpSpPr>
+      <p:pic>
+        <p:nvPicPr>
+          <p:cNvPr id="6" name="Picture 2">
             <a:extLst>
               <a:ext uri="{FF2B5EF4-FFF2-40B4-BE49-F238E27FC236}">
-                <a16:creationId xmlns:a16="http://schemas.microsoft.com/office/drawing/2014/main" id="{69EF7056-6C4B-E4F6-9D6C-8FE55953185C}"/>
+                <a16:creationId xmlns:a16="http://schemas.microsoft.com/office/drawing/2014/main" id="{A17922DD-1EE5-107A-0D04-F392B87530F0}"/>
               </a:ext>
             </a:extLst>
           </p:cNvPr>
+          <p:cNvPicPr>
+            <a:picLocks noChangeAspect="1"/>
+          </p:cNvPicPr>
+          <p:nvPr/>
+        </p:nvPicPr>
+        <p:blipFill>
+          <a:blip r:embed="rId3"/>
+          <a:stretch>
+            <a:fillRect/>
+          </a:stretch>
+        </p:blipFill>
+        <p:spPr>
+          <a:xfrm>
+            <a:off x="438150" y="412750"/>
+            <a:ext cx="17411700" cy="9461500"/>
+          </a:xfrm>
+          <a:prstGeom prst="rect">
+            <a:avLst/>
+          </a:prstGeom>
+        </p:spPr>
+      </p:pic>
+      <p:grpSp>
+        <p:nvGrpSpPr>
+          <p:cNvPr id="3" name="Group 3"/>
           <p:cNvGrpSpPr/>
           <p:nvPr/>
         </p:nvGrpSpPr>
         <p:grpSpPr>
           <a:xfrm>
-            <a:off x="9895142" y="3775773"/>
+            <a:off x="0" y="0"/>
+            <a:ext cx="0" cy="0"/>
+            <a:chOff x="0" y="0"/>
+            <a:chExt cx="0" cy="0"/>
+          </a:xfrm>
+        </p:grpSpPr>
+      </p:grpSp>
+      <p:pic>
+        <p:nvPicPr>
+          <p:cNvPr id="4" name="Picture 4"/>
+          <p:cNvPicPr>
+            <a:picLocks noChangeAspect="1"/>
+          </p:cNvPicPr>
+          <p:nvPr/>
+        </p:nvPicPr>
+        <p:blipFill rotWithShape="1">
+          <a:blip r:embed="rId4"/>
+          <a:stretch>
+            <a:fillRect/>
+          </a:stretch>
+        </p:blipFill>
+        <p:spPr>
+          <a:xfrm>
+            <a:off x="8509000" y="9372600"/>
+            <a:ext cx="1295400" cy="1092200"/>
+          </a:xfrm>
+          <a:prstGeom prst="rect">
+            <a:avLst/>
+          </a:prstGeom>
+        </p:spPr>
+      </p:pic>
+      <p:sp>
+        <p:nvSpPr>
+          <p:cNvPr id="5" name="TextBox 5"/>
+          <p:cNvSpPr txBox="1"/>
+          <p:nvPr/>
+        </p:nvSpPr>
+        <p:spPr>
+          <a:xfrm>
+            <a:off x="8750300" y="9575800"/>
+            <a:ext cx="787400" cy="317500"/>
+          </a:xfrm>
+          <a:prstGeom prst="rect">
+            <a:avLst/>
+          </a:prstGeom>
+        </p:spPr>
+        <p:txBody>
+          <a:bodyPr lIns="0" tIns="0" rIns="0" bIns="0" anchor="ctr"/>
+          <a:lstStyle/>
+          <a:p>
+            <a:pPr lvl="0" algn="ctr">
+              <a:lnSpc>
+                <a:spcPct val="120000"/>
+              </a:lnSpc>
+              <a:defRPr/>
+            </a:pPr>
+            <a:r>
+              <a:rPr lang="en-US" sz="1800" b="0" i="0" u="none" strike="noStrike" dirty="0">
+                <a:solidFill>
+                  <a:srgbClr val="4FA8CA"/>
+                </a:solidFill>
+                <a:latin typeface="나눔스퀘어OTF"/>
+              </a:rPr>
+              <a:t>13</a:t>
+            </a:r>
+          </a:p>
+        </p:txBody>
+      </p:sp>
+      <p:sp>
+        <p:nvSpPr>
+          <p:cNvPr id="7" name="TextBox 7"/>
+          <p:cNvSpPr txBox="1"/>
+          <p:nvPr/>
+        </p:nvSpPr>
+        <p:spPr>
+          <a:xfrm>
+            <a:off x="14478000" y="762000"/>
+            <a:ext cx="3022600" cy="304800"/>
+          </a:xfrm>
+          <a:prstGeom prst="rect">
+            <a:avLst/>
+          </a:prstGeom>
+        </p:spPr>
+        <p:txBody>
+          <a:bodyPr lIns="0" tIns="0" rIns="0" bIns="0" anchor="ctr"/>
+          <a:lstStyle/>
+          <a:p>
+            <a:pPr lvl="0" algn="r">
+              <a:lnSpc>
+                <a:spcPct val="120000"/>
+              </a:lnSpc>
+              <a:defRPr/>
+            </a:pPr>
+            <a:r>
+              <a:rPr lang="en-US" sz="1700" b="0" i="0" u="none" strike="noStrike" spc="200">
+                <a:solidFill>
+                  <a:srgbClr val="4FA8CA"/>
+                </a:solidFill>
+                <a:latin typeface="나눔스퀘어OTF"/>
+              </a:rPr>
+              <a:t>DECS</a:t>
+            </a:r>
+          </a:p>
+        </p:txBody>
+      </p:sp>
+      <p:pic>
+        <p:nvPicPr>
+          <p:cNvPr id="8" name="Picture 8"/>
+          <p:cNvPicPr>
+            <a:picLocks noChangeAspect="1"/>
+          </p:cNvPicPr>
+          <p:nvPr/>
+        </p:nvPicPr>
+        <p:blipFill rotWithShape="1">
+          <a:blip r:embed="rId5"/>
+          <a:stretch>
+            <a:fillRect/>
+          </a:stretch>
+        </p:blipFill>
+        <p:spPr>
+          <a:xfrm>
+            <a:off x="6070600" y="-25400"/>
+            <a:ext cx="6159500" cy="838200"/>
+          </a:xfrm>
+          <a:prstGeom prst="rect">
+            <a:avLst/>
+          </a:prstGeom>
+        </p:spPr>
+      </p:pic>
+      <p:sp>
+        <p:nvSpPr>
+          <p:cNvPr id="26" name="TextBox 26"/>
+          <p:cNvSpPr txBox="1"/>
+          <p:nvPr/>
+        </p:nvSpPr>
+        <p:spPr>
+          <a:xfrm>
+            <a:off x="4470400" y="1257300"/>
+            <a:ext cx="9347200" cy="1066800"/>
+          </a:xfrm>
+          <a:prstGeom prst="rect">
+            <a:avLst/>
+          </a:prstGeom>
+        </p:spPr>
+        <p:txBody>
+          <a:bodyPr lIns="0" tIns="0" rIns="0" bIns="0" anchor="ctr"/>
+          <a:lstStyle/>
+          <a:p>
+            <a:pPr lvl="0" algn="ctr">
+              <a:lnSpc>
+                <a:spcPct val="120000"/>
+              </a:lnSpc>
+              <a:defRPr/>
+            </a:pPr>
+            <a:r>
+              <a:rPr lang="en-US" altLang="ko-KR" sz="6000">
+                <a:solidFill>
+                  <a:srgbClr val="4FA8CA"/>
+                </a:solidFill>
+                <a:latin typeface="나눔스퀘어OTF Bold"/>
+                <a:ea typeface="나눔스퀘어OTF Bold"/>
+              </a:rPr>
+              <a:t>Anomaly Detection</a:t>
+            </a:r>
+          </a:p>
+        </p:txBody>
+      </p:sp>
+      <p:pic>
+        <p:nvPicPr>
+          <p:cNvPr id="2" name="Picture 6"/>
+          <p:cNvPicPr>
+            <a:picLocks noChangeAspect="1"/>
+          </p:cNvPicPr>
+          <p:nvPr/>
+        </p:nvPicPr>
+        <p:blipFill rotWithShape="1">
+          <a:blip r:embed="rId6"/>
+          <a:stretch>
+            <a:fillRect/>
+          </a:stretch>
+        </p:blipFill>
+        <p:spPr>
+          <a:xfrm>
+            <a:off x="4470400" y="1563503"/>
+            <a:ext cx="9347200" cy="558800"/>
+          </a:xfrm>
+          <a:prstGeom prst="rect">
+            <a:avLst/>
+          </a:prstGeom>
+        </p:spPr>
+      </p:pic>
+      <p:grpSp>
+        <p:nvGrpSpPr>
+          <p:cNvPr id="9" name="그룹 8"/>
+          <p:cNvGrpSpPr/>
+          <p:nvPr/>
+        </p:nvGrpSpPr>
+        <p:grpSpPr>
+          <a:xfrm>
+            <a:off x="10248900" y="3775773"/>
             <a:ext cx="7630858" cy="4159758"/>
             <a:chOff x="11422378" y="2738102"/>
             <a:chExt cx="6769574" cy="5034882"/>
@@ -9109,20 +9527,14 @@
         </p:grpSpPr>
         <p:pic>
           <p:nvPicPr>
-            <p:cNvPr id="23" name="그림 22">
-              <a:extLst>
-                <a:ext uri="{FF2B5EF4-FFF2-40B4-BE49-F238E27FC236}">
-                  <a16:creationId xmlns:a16="http://schemas.microsoft.com/office/drawing/2014/main" id="{018F491A-7048-D890-3360-8C2F19C2DB3C}"/>
-                </a:ext>
-              </a:extLst>
-            </p:cNvPr>
+            <p:cNvPr id="11" name="그림 10"/>
             <p:cNvPicPr>
               <a:picLocks noChangeAspect="1"/>
             </p:cNvPicPr>
             <p:nvPr/>
           </p:nvPicPr>
           <p:blipFill rotWithShape="1">
-            <a:blip r:embed="rId10"/>
+            <a:blip r:embed="rId7"/>
             <a:stretch>
               <a:fillRect/>
             </a:stretch>
@@ -9139,13 +9551,7 @@
         </p:pic>
         <p:sp>
           <p:nvSpPr>
-            <p:cNvPr id="25" name="TextBox 24">
-              <a:extLst>
-                <a:ext uri="{FF2B5EF4-FFF2-40B4-BE49-F238E27FC236}">
-                  <a16:creationId xmlns:a16="http://schemas.microsoft.com/office/drawing/2014/main" id="{8F99C7D7-FC0C-8C91-00F1-66D6E77E8593}"/>
-                </a:ext>
-              </a:extLst>
-            </p:cNvPr>
+            <p:cNvPr id="12" name="TextBox 11"/>
             <p:cNvSpPr txBox="1"/>
             <p:nvPr/>
           </p:nvSpPr>
@@ -9198,6 +9604,1097 @@
           </p:txBody>
         </p:sp>
       </p:grpSp>
+      <p:grpSp>
+        <p:nvGrpSpPr>
+          <p:cNvPr id="36" name="그룹 35"/>
+          <p:cNvGrpSpPr/>
+          <p:nvPr/>
+        </p:nvGrpSpPr>
+        <p:grpSpPr>
+          <a:xfrm>
+            <a:off x="1512189" y="2988373"/>
+            <a:ext cx="8774811" cy="4597420"/>
+            <a:chOff x="1512189" y="2988373"/>
+            <a:chExt cx="8774811" cy="4597420"/>
+          </a:xfrm>
+        </p:grpSpPr>
+        <p:sp>
+          <p:nvSpPr>
+            <p:cNvPr id="18" name="TextBox 6"/>
+            <p:cNvSpPr txBox="1"/>
+            <p:nvPr/>
+          </p:nvSpPr>
+          <p:spPr>
+            <a:xfrm>
+              <a:off x="2520315" y="3168396"/>
+              <a:ext cx="4283923" cy="451277"/>
+            </a:xfrm>
+            <a:prstGeom prst="rect">
+              <a:avLst/>
+            </a:prstGeom>
+          </p:spPr>
+          <p:txBody>
+            <a:bodyPr lIns="0" tIns="0" rIns="0" bIns="0" anchor="t">
+              <a:spAutoFit/>
+            </a:bodyPr>
+            <a:lstStyle/>
+            <a:p>
+              <a:pPr>
+                <a:lnSpc>
+                  <a:spcPts val="3359"/>
+                </a:lnSpc>
+                <a:spcBef>
+                  <a:spcPct val="0"/>
+                </a:spcBef>
+                <a:defRPr/>
+              </a:pPr>
+              <a:r>
+                <a:rPr lang="en-US" altLang="ko-KR" sz="3500" spc="-45" dirty="0">
+                  <a:solidFill>
+                    <a:schemeClr val="dk1"/>
+                  </a:solidFill>
+                  <a:latin typeface="나눔스퀘어OTF Bold" panose="020B0600000101010101" pitchFamily="34" charset="-127"/>
+                  <a:ea typeface="나눔스퀘어OTF Bold" panose="020B0600000101010101" pitchFamily="34" charset="-127"/>
+                </a:rPr>
+                <a:t>Autoencoder</a:t>
+              </a:r>
+            </a:p>
+          </p:txBody>
+        </p:sp>
+        <p:sp>
+          <p:nvSpPr>
+            <p:cNvPr id="21" name="TextBox 3"/>
+            <p:cNvSpPr txBox="1"/>
+            <p:nvPr/>
+          </p:nvSpPr>
+          <p:spPr>
+            <a:xfrm>
+              <a:off x="2057400" y="3952875"/>
+              <a:ext cx="8229600" cy="3632918"/>
+            </a:xfrm>
+            <a:prstGeom prst="rect">
+              <a:avLst/>
+            </a:prstGeom>
+          </p:spPr>
+          <p:txBody>
+            <a:bodyPr wrap="square" lIns="0" tIns="0" rIns="0" bIns="0" anchor="t">
+              <a:spAutoFit/>
+            </a:bodyPr>
+            <a:lstStyle/>
+            <a:p>
+              <a:pPr>
+                <a:lnSpc>
+                  <a:spcPct val="120000"/>
+                </a:lnSpc>
+                <a:defRPr/>
+              </a:pPr>
+              <a:r>
+                <a:rPr lang="ko-KR" altLang="en-US" sz="2200" i="0" dirty="0" err="1">
+                  <a:effectLst/>
+                  <a:latin typeface="나눔스퀘어OTF ExtraBold" panose="020B0600000101010101" pitchFamily="34" charset="-127"/>
+                  <a:ea typeface="나눔스퀘어OTF ExtraBold" panose="020B0600000101010101" pitchFamily="34" charset="-127"/>
+                </a:rPr>
+                <a:t>오토인코더</a:t>
+              </a:r>
+              <a:r>
+                <a:rPr lang="ko-KR" altLang="en-US" sz="2200" i="0" dirty="0">
+                  <a:effectLst/>
+                  <a:latin typeface="나눔스퀘어OTF ExtraBold" panose="020B0600000101010101" pitchFamily="34" charset="-127"/>
+                  <a:ea typeface="나눔스퀘어OTF ExtraBold" panose="020B0600000101010101" pitchFamily="34" charset="-127"/>
+                </a:rPr>
+                <a:t> </a:t>
+              </a:r>
+              <a:r>
+                <a:rPr lang="en-US" altLang="ko-KR" sz="2200" i="0" dirty="0">
+                  <a:effectLst/>
+                  <a:latin typeface="나눔스퀘어OTF ExtraBold" panose="020B0600000101010101" pitchFamily="34" charset="-127"/>
+                  <a:ea typeface="나눔스퀘어OTF ExtraBold" panose="020B0600000101010101" pitchFamily="34" charset="-127"/>
+                </a:rPr>
+                <a:t>(</a:t>
+              </a:r>
+              <a:r>
+                <a:rPr lang="en" altLang="ko-KR" sz="2200" i="0" dirty="0">
+                  <a:effectLst/>
+                  <a:latin typeface="나눔스퀘어OTF ExtraBold" panose="020B0600000101010101" pitchFamily="34" charset="-127"/>
+                  <a:ea typeface="나눔스퀘어OTF ExtraBold" panose="020B0600000101010101" pitchFamily="34" charset="-127"/>
+                </a:rPr>
+                <a:t>Autoencoder)</a:t>
+              </a:r>
+              <a:r>
+                <a:rPr lang="ko-KR" altLang="en-US" sz="2200" b="0" i="0" dirty="0">
+                  <a:effectLst/>
+                  <a:latin typeface="나눔스퀘어OTF" panose="020B0600000101010101" pitchFamily="34" charset="-127"/>
+                  <a:ea typeface="나눔스퀘어OTF" panose="020B0600000101010101" pitchFamily="34" charset="-127"/>
+                </a:rPr>
+                <a:t>란 비지도 학습에서 사용되는 인공신경망 알고리즘으로</a:t>
+              </a:r>
+              <a:r>
+                <a:rPr lang="en-US" altLang="ko-KR" sz="2200" b="0" i="0" dirty="0">
+                  <a:effectLst/>
+                  <a:latin typeface="나눔스퀘어OTF" panose="020B0600000101010101" pitchFamily="34" charset="-127"/>
+                  <a:ea typeface="나눔스퀘어OTF" panose="020B0600000101010101" pitchFamily="34" charset="-127"/>
+                </a:rPr>
+                <a:t>,</a:t>
+              </a:r>
+              <a:r>
+                <a:rPr lang="ko-KR" altLang="en-US" sz="2200" b="0" i="0" dirty="0">
+                  <a:effectLst/>
+                  <a:latin typeface="나눔스퀘어OTF" panose="020B0600000101010101" pitchFamily="34" charset="-127"/>
+                  <a:ea typeface="나눔스퀘어OTF" panose="020B0600000101010101" pitchFamily="34" charset="-127"/>
+                </a:rPr>
+                <a:t> 입력이 들어왔을 때의</a:t>
+              </a:r>
+              <a:r>
+                <a:rPr lang="en-US" altLang="ko-KR" sz="2200" dirty="0">
+                  <a:latin typeface="나눔스퀘어OTF" panose="020B0600000101010101" pitchFamily="34" charset="-127"/>
+                  <a:ea typeface="나눔스퀘어OTF" panose="020B0600000101010101" pitchFamily="34" charset="-127"/>
+                </a:rPr>
+                <a:t> </a:t>
+              </a:r>
+              <a:r>
+                <a:rPr lang="ko-KR" altLang="en-US" sz="2200" b="0" i="0" dirty="0">
+                  <a:effectLst/>
+                  <a:latin typeface="나눔스퀘어OTF" panose="020B0600000101010101" pitchFamily="34" charset="-127"/>
+                  <a:ea typeface="나눔스퀘어OTF" panose="020B0600000101010101" pitchFamily="34" charset="-127"/>
+                </a:rPr>
+                <a:t>해당 입력 데이터를 최대한 압축</a:t>
+              </a:r>
+              <a:r>
+                <a:rPr lang="ko-KR" altLang="en-US" sz="2200" dirty="0">
+                  <a:latin typeface="나눔스퀘어OTF" panose="020B0600000101010101" pitchFamily="34" charset="-127"/>
+                  <a:ea typeface="나눔스퀘어OTF" panose="020B0600000101010101" pitchFamily="34" charset="-127"/>
+                </a:rPr>
+                <a:t> </a:t>
+              </a:r>
+              <a:r>
+                <a:rPr lang="ko-KR" altLang="en-US" sz="2200" b="0" i="0" dirty="0">
+                  <a:effectLst/>
+                  <a:latin typeface="나눔스퀘어OTF" panose="020B0600000101010101" pitchFamily="34" charset="-127"/>
+                  <a:ea typeface="나눔스퀘어OTF" panose="020B0600000101010101" pitchFamily="34" charset="-127"/>
+                </a:rPr>
+                <a:t>시킨 후</a:t>
+              </a:r>
+              <a:r>
+                <a:rPr lang="en-US" altLang="ko-KR" sz="2200" b="0" i="0" dirty="0">
+                  <a:effectLst/>
+                  <a:latin typeface="나눔스퀘어OTF" panose="020B0600000101010101" pitchFamily="34" charset="-127"/>
+                  <a:ea typeface="나눔스퀘어OTF" panose="020B0600000101010101" pitchFamily="34" charset="-127"/>
+                </a:rPr>
+                <a:t>, </a:t>
+              </a:r>
+              <a:r>
+                <a:rPr lang="ko-KR" altLang="en-US" sz="2200" b="0" i="0" dirty="0">
+                  <a:effectLst/>
+                  <a:latin typeface="나눔스퀘어OTF" panose="020B0600000101010101" pitchFamily="34" charset="-127"/>
+                  <a:ea typeface="나눔스퀘어OTF" panose="020B0600000101010101" pitchFamily="34" charset="-127"/>
+                </a:rPr>
+                <a:t>압축된 데이터를 다시 본래의 입력 형태로 복원 시키는 신경망</a:t>
+              </a:r>
+              <a:endParaRPr lang="en-US" altLang="ko-KR" sz="2200" b="0" i="0" dirty="0">
+                <a:effectLst/>
+                <a:latin typeface="나눔스퀘어OTF" panose="020B0600000101010101" pitchFamily="34" charset="-127"/>
+                <a:ea typeface="나눔스퀘어OTF" panose="020B0600000101010101" pitchFamily="34" charset="-127"/>
+              </a:endParaRPr>
+            </a:p>
+            <a:p>
+              <a:pPr>
+                <a:lnSpc>
+                  <a:spcPct val="120000"/>
+                </a:lnSpc>
+                <a:defRPr/>
+              </a:pPr>
+              <a:endParaRPr lang="en-US" altLang="ko-KR" sz="2200" dirty="0">
+                <a:latin typeface="나눔스퀘어OTF" panose="020B0600000101010101" pitchFamily="34" charset="-127"/>
+                <a:ea typeface="나눔스퀘어OTF" panose="020B0600000101010101" pitchFamily="34" charset="-127"/>
+              </a:endParaRPr>
+            </a:p>
+            <a:p>
+              <a:pPr>
+                <a:lnSpc>
+                  <a:spcPct val="120000"/>
+                </a:lnSpc>
+                <a:defRPr/>
+              </a:pPr>
+              <a:r>
+                <a:rPr lang="en" altLang="ko-KR" sz="2200" i="0" dirty="0">
+                  <a:effectLst/>
+                  <a:latin typeface="나눔스퀘어OTF ExtraBold" panose="020B0600000101010101" pitchFamily="34" charset="-127"/>
+                  <a:ea typeface="나눔스퀘어OTF ExtraBold" panose="020B0600000101010101" pitchFamily="34" charset="-127"/>
+                </a:rPr>
+                <a:t>Encoder</a:t>
+              </a:r>
+              <a:r>
+                <a:rPr lang="en-US" altLang="ko-KR" sz="2200" i="0" dirty="0">
+                  <a:effectLst/>
+                  <a:latin typeface="나눔스퀘어OTF ExtraBold" panose="020B0600000101010101" pitchFamily="34" charset="-127"/>
+                  <a:ea typeface="나눔스퀘어OTF ExtraBold" panose="020B0600000101010101" pitchFamily="34" charset="-127"/>
+                </a:rPr>
+                <a:t>:</a:t>
+              </a:r>
+              <a:r>
+                <a:rPr lang="ko-KR" altLang="en-US" sz="2200" i="0" dirty="0">
+                  <a:effectLst/>
+                  <a:latin typeface="나눔스퀘어OTF ExtraBold" panose="020B0600000101010101" pitchFamily="34" charset="-127"/>
+                  <a:ea typeface="나눔스퀘어OTF ExtraBold" panose="020B0600000101010101" pitchFamily="34" charset="-127"/>
+                </a:rPr>
+                <a:t> </a:t>
+              </a:r>
+              <a:r>
+                <a:rPr lang="en-US" altLang="ko-KR" sz="2200" b="0" i="0" dirty="0">
+                  <a:effectLst/>
+                  <a:latin typeface="나눔스퀘어OTF" panose="020B0600000101010101" pitchFamily="34" charset="-127"/>
+                  <a:ea typeface="나눔스퀘어OTF" panose="020B0600000101010101" pitchFamily="34" charset="-127"/>
+                </a:rPr>
+                <a:t>Input </a:t>
+              </a:r>
+              <a:r>
+                <a:rPr lang="ko-KR" altLang="en-US" sz="2200" b="0" i="0" dirty="0">
+                  <a:effectLst/>
+                  <a:latin typeface="나눔스퀘어OTF" panose="020B0600000101010101" pitchFamily="34" charset="-127"/>
+                  <a:ea typeface="나눔스퀘어OTF" panose="020B0600000101010101" pitchFamily="34" charset="-127"/>
+                </a:rPr>
+                <a:t>데이터를 압축하는 부분</a:t>
+              </a:r>
+            </a:p>
+            <a:p>
+              <a:pPr>
+                <a:lnSpc>
+                  <a:spcPct val="120000"/>
+                </a:lnSpc>
+                <a:defRPr/>
+              </a:pPr>
+              <a:endParaRPr lang="ko-KR" altLang="en-US" sz="2200" b="0" i="0" dirty="0">
+                <a:effectLst/>
+                <a:latin typeface="나눔스퀘어OTF" panose="020B0600000101010101" pitchFamily="34" charset="-127"/>
+                <a:ea typeface="나눔스퀘어OTF" panose="020B0600000101010101" pitchFamily="34" charset="-127"/>
+              </a:endParaRPr>
+            </a:p>
+            <a:p>
+              <a:pPr>
+                <a:lnSpc>
+                  <a:spcPct val="120000"/>
+                </a:lnSpc>
+                <a:defRPr/>
+              </a:pPr>
+              <a:r>
+                <a:rPr lang="en" altLang="ko-KR" sz="2200" i="0" dirty="0">
+                  <a:effectLst/>
+                  <a:latin typeface="나눔스퀘어OTF ExtraBold" panose="020B0600000101010101" pitchFamily="34" charset="-127"/>
+                  <a:ea typeface="나눔스퀘어OTF ExtraBold" panose="020B0600000101010101" pitchFamily="34" charset="-127"/>
+                </a:rPr>
+                <a:t>Decoder</a:t>
+              </a:r>
+              <a:r>
+                <a:rPr lang="en-US" altLang="ko-KR" sz="2200" i="0" dirty="0">
+                  <a:effectLst/>
+                  <a:latin typeface="나눔스퀘어OTF ExtraBold" panose="020B0600000101010101" pitchFamily="34" charset="-127"/>
+                  <a:ea typeface="나눔스퀘어OTF ExtraBold" panose="020B0600000101010101" pitchFamily="34" charset="-127"/>
+                </a:rPr>
+                <a:t>: </a:t>
+              </a:r>
+              <a:r>
+                <a:rPr lang="ko-KR" altLang="en-US" sz="2200" b="0" i="0" dirty="0">
+                  <a:effectLst/>
+                  <a:latin typeface="나눔스퀘어OTF" panose="020B0600000101010101" pitchFamily="34" charset="-127"/>
+                  <a:ea typeface="나눔스퀘어OTF" panose="020B0600000101010101" pitchFamily="34" charset="-127"/>
+                </a:rPr>
+                <a:t>압축된 데이터를 복원하는 부분</a:t>
+              </a:r>
+              <a:r>
+                <a:rPr lang="en-US" altLang="ko-KR" sz="2200" b="0" i="0" dirty="0">
+                  <a:effectLst/>
+                  <a:latin typeface="나눔스퀘어OTF" panose="020B0600000101010101" pitchFamily="34" charset="-127"/>
+                  <a:ea typeface="나눔스퀘어OTF" panose="020B0600000101010101" pitchFamily="34" charset="-127"/>
+                </a:rPr>
+                <a:t> </a:t>
+              </a:r>
+            </a:p>
+            <a:p>
+              <a:pPr>
+                <a:lnSpc>
+                  <a:spcPct val="120000"/>
+                </a:lnSpc>
+                <a:defRPr/>
+              </a:pPr>
+              <a:endParaRPr lang="en-US" altLang="ko-KR" sz="2200" dirty="0">
+                <a:latin typeface="나눔스퀘어OTF" panose="020B0600000101010101" pitchFamily="34" charset="-127"/>
+                <a:ea typeface="나눔스퀘어OTF" panose="020B0600000101010101" pitchFamily="34" charset="-127"/>
+              </a:endParaRPr>
+            </a:p>
+            <a:p>
+              <a:pPr marL="0" indent="0" algn="l" defTabSz="232257" rtl="0" eaLnBrk="1" latinLnBrk="0" hangingPunct="1">
+                <a:lnSpc>
+                  <a:spcPct val="120000"/>
+                </a:lnSpc>
+                <a:spcBef>
+                  <a:spcPct val="0"/>
+                </a:spcBef>
+                <a:spcAft>
+                  <a:spcPts val="0"/>
+                </a:spcAft>
+                <a:buNone/>
+                <a:defRPr/>
+              </a:pPr>
+              <a:r>
+                <a:rPr lang="en" altLang="ko-KR" sz="2200" i="0" dirty="0">
+                  <a:effectLst/>
+                  <a:latin typeface="나눔스퀘어OTF ExtraBold" panose="020B0600000101010101" pitchFamily="34" charset="-127"/>
+                  <a:ea typeface="나눔스퀘어OTF ExtraBold" panose="020B0600000101010101" pitchFamily="34" charset="-127"/>
+                </a:rPr>
+                <a:t>Latent Vector </a:t>
+              </a:r>
+              <a:r>
+                <a:rPr lang="en-US" altLang="ko-KR" sz="2200" i="0" dirty="0">
+                  <a:effectLst/>
+                  <a:latin typeface="나눔스퀘어OTF ExtraBold" panose="020B0600000101010101" pitchFamily="34" charset="-127"/>
+                  <a:ea typeface="나눔스퀘어OTF ExtraBold" panose="020B0600000101010101" pitchFamily="34" charset="-127"/>
+                </a:rPr>
+                <a:t>(</a:t>
+              </a:r>
+              <a:r>
+                <a:rPr kumimoji="0" lang="ko-KR" altLang="en-US" sz="2200" i="0" u="none" strike="noStrike" kern="1200" cap="none" spc="0" normalizeH="0" baseline="0" dirty="0">
+                  <a:solidFill>
+                    <a:srgbClr val="000000"/>
+                  </a:solidFill>
+                  <a:effectLst/>
+                  <a:latin typeface="나눔스퀘어OTF ExtraBold" panose="020B0600000101010101" pitchFamily="34" charset="-127"/>
+                  <a:ea typeface="나눔스퀘어OTF ExtraBold" panose="020B0600000101010101" pitchFamily="34" charset="-127"/>
+                </a:rPr>
+                <a:t>잠재 </a:t>
+              </a:r>
+              <a:r>
+                <a:rPr kumimoji="0" lang="ko-KR" altLang="en-US" sz="2200" i="0" u="none" strike="noStrike" kern="1200" cap="none" spc="0" normalizeH="0" baseline="0" dirty="0">
+                  <a:solidFill>
+                    <a:srgbClr val="000000"/>
+                  </a:solidFill>
+                  <a:latin typeface="나눔스퀘어OTF ExtraBold" panose="020B0600000101010101" pitchFamily="34" charset="-127"/>
+                  <a:ea typeface="나눔스퀘어OTF ExtraBold" panose="020B0600000101010101" pitchFamily="34" charset="-127"/>
+                </a:rPr>
+                <a:t>벡</a:t>
+              </a:r>
+              <a:r>
+                <a:rPr kumimoji="0" lang="ko-KR" altLang="en-US" sz="2200" i="0" u="none" strike="noStrike" kern="1200" cap="none" spc="0" normalizeH="0" baseline="0" dirty="0">
+                  <a:solidFill>
+                    <a:srgbClr val="000000"/>
+                  </a:solidFill>
+                  <a:effectLst/>
+                  <a:latin typeface="나눔스퀘어OTF ExtraBold" panose="020B0600000101010101" pitchFamily="34" charset="-127"/>
+                  <a:ea typeface="나눔스퀘어OTF ExtraBold" panose="020B0600000101010101" pitchFamily="34" charset="-127"/>
+                </a:rPr>
+                <a:t>터</a:t>
+              </a:r>
+              <a:r>
+                <a:rPr lang="en-US" altLang="ko-KR" sz="2200" i="0" dirty="0">
+                  <a:effectLst/>
+                  <a:latin typeface="나눔스퀘어OTF ExtraBold" panose="020B0600000101010101" pitchFamily="34" charset="-127"/>
+                  <a:ea typeface="나눔스퀘어OTF ExtraBold" panose="020B0600000101010101" pitchFamily="34" charset="-127"/>
+                </a:rPr>
+                <a:t>):</a:t>
+              </a:r>
+              <a:r>
+                <a:rPr lang="ko-KR" altLang="en-US" sz="2200" i="0" dirty="0">
+                  <a:effectLst/>
+                  <a:latin typeface="나눔스퀘어OTF ExtraBold" panose="020B0600000101010101" pitchFamily="34" charset="-127"/>
+                  <a:ea typeface="나눔스퀘어OTF ExtraBold" panose="020B0600000101010101" pitchFamily="34" charset="-127"/>
+                </a:rPr>
+                <a:t> </a:t>
+              </a:r>
+              <a:r>
+                <a:rPr lang="ko-KR" altLang="en-US" sz="2200" b="0" i="0" dirty="0">
+                  <a:effectLst/>
+                  <a:latin typeface="나눔스퀘어OTF" panose="020B0600000101010101" pitchFamily="34" charset="-127"/>
+                  <a:ea typeface="나눔스퀘어OTF" panose="020B0600000101010101" pitchFamily="34" charset="-127"/>
+                </a:rPr>
+                <a:t>압축 과정에서 추출한 의미 있는 데이터</a:t>
+              </a:r>
+            </a:p>
+          </p:txBody>
+        </p:sp>
+        <p:pic>
+          <p:nvPicPr>
+            <p:cNvPr id="28" name="Picture 21"/>
+            <p:cNvPicPr>
+              <a:picLocks noChangeAspect="1"/>
+            </p:cNvPicPr>
+            <p:nvPr/>
+          </p:nvPicPr>
+          <p:blipFill rotWithShape="1">
+            <a:blip r:embed="rId8">
+              <a:alphaModFix/>
+              <a:lum/>
+            </a:blip>
+            <a:stretch>
+              <a:fillRect/>
+            </a:stretch>
+          </p:blipFill>
+          <p:spPr>
+            <a:xfrm>
+              <a:off x="1512189" y="2988373"/>
+              <a:ext cx="787400" cy="787400"/>
+            </a:xfrm>
+            <a:prstGeom prst="rect">
+              <a:avLst/>
+            </a:prstGeom>
+            <a:noFill/>
+          </p:spPr>
+        </p:pic>
+      </p:grpSp>
+      <p:pic>
+        <p:nvPicPr>
+          <p:cNvPr id="33" name="그림 32"/>
+          <p:cNvPicPr>
+            <a:picLocks noChangeAspect="1"/>
+          </p:cNvPicPr>
+          <p:nvPr/>
+        </p:nvPicPr>
+        <p:blipFill rotWithShape="1">
+          <a:blip r:embed="rId9"/>
+          <a:stretch>
+            <a:fillRect/>
+          </a:stretch>
+        </p:blipFill>
+        <p:spPr>
+          <a:xfrm>
+            <a:off x="1601127" y="3132627"/>
+            <a:ext cx="609523" cy="609523"/>
+          </a:xfrm>
+          <a:prstGeom prst="rect">
+            <a:avLst/>
+          </a:prstGeom>
+        </p:spPr>
+      </p:pic>
+    </p:spTree>
+  </p:cSld>
+  <p:clrMapOvr>
+    <a:masterClrMapping/>
+  </p:clrMapOvr>
+  <mc:AlternateContent xmlns:mc="http://schemas.openxmlformats.org/markup-compatibility/2006" xmlns:p14="http://schemas.microsoft.com/office/powerpoint/2010/main">
+    <mc:Choice Requires="p14">
+      <p:transition/>
+    </mc:Choice>
+    <mc:Fallback xmlns="" xmlns:c="http://schemas.openxmlformats.org/drawingml/2006/chart" xmlns:dgm="http://schemas.openxmlformats.org/drawingml/2006/diagram" xmlns:dsp="http://schemas.microsoft.com/office/drawing/2008/diagram">
+      <p:transition/>
+    </mc:Fallback>
+  </mc:AlternateContent>
+</p:sld>
+</file>
+
+<file path=ppt/slides/slide13.xml><?xml version="1.0" encoding="utf-8"?>
+<p:sld xmlns:a="http://schemas.openxmlformats.org/drawingml/2006/main" xmlns:r="http://schemas.openxmlformats.org/officeDocument/2006/relationships" xmlns:p="http://schemas.openxmlformats.org/presentationml/2006/main">
+  <p:cSld>
+    <p:bg>
+      <p:bgPr>
+        <a:solidFill>
+          <a:srgbClr val="EBF4F7"/>
+        </a:solidFill>
+        <a:effectLst/>
+      </p:bgPr>
+    </p:bg>
+    <p:spTree>
+      <p:nvGrpSpPr>
+        <p:cNvPr id="1" name=""/>
+        <p:cNvGrpSpPr/>
+        <p:nvPr/>
+      </p:nvGrpSpPr>
+      <p:grpSpPr>
+        <a:xfrm>
+          <a:off x="0" y="0"/>
+          <a:ext cx="0" cy="0"/>
+          <a:chOff x="0" y="0"/>
+          <a:chExt cx="0" cy="0"/>
+        </a:xfrm>
+      </p:grpSpPr>
+      <p:pic>
+        <p:nvPicPr>
+          <p:cNvPr id="13" name="Picture 2">
+            <a:extLst>
+              <a:ext uri="{FF2B5EF4-FFF2-40B4-BE49-F238E27FC236}">
+                <a16:creationId xmlns:a16="http://schemas.microsoft.com/office/drawing/2014/main" id="{17A15B94-88D1-7514-8497-F948B2466496}"/>
+              </a:ext>
+            </a:extLst>
+          </p:cNvPr>
+          <p:cNvPicPr>
+            <a:picLocks noChangeAspect="1"/>
+          </p:cNvPicPr>
+          <p:nvPr/>
+        </p:nvPicPr>
+        <p:blipFill>
+          <a:blip r:embed="rId3"/>
+          <a:stretch>
+            <a:fillRect/>
+          </a:stretch>
+        </p:blipFill>
+        <p:spPr>
+          <a:xfrm>
+            <a:off x="438150" y="412750"/>
+            <a:ext cx="17411700" cy="9461500"/>
+          </a:xfrm>
+          <a:prstGeom prst="rect">
+            <a:avLst/>
+          </a:prstGeom>
+        </p:spPr>
+      </p:pic>
+      <p:grpSp>
+        <p:nvGrpSpPr>
+          <p:cNvPr id="3" name="Group 3"/>
+          <p:cNvGrpSpPr/>
+          <p:nvPr/>
+        </p:nvGrpSpPr>
+        <p:grpSpPr>
+          <a:xfrm>
+            <a:off x="0" y="0"/>
+            <a:ext cx="0" cy="0"/>
+            <a:chOff x="0" y="0"/>
+            <a:chExt cx="0" cy="0"/>
+          </a:xfrm>
+        </p:grpSpPr>
+      </p:grpSp>
+      <p:pic>
+        <p:nvPicPr>
+          <p:cNvPr id="4" name="Picture 4"/>
+          <p:cNvPicPr>
+            <a:picLocks noChangeAspect="1"/>
+          </p:cNvPicPr>
+          <p:nvPr/>
+        </p:nvPicPr>
+        <p:blipFill rotWithShape="1">
+          <a:blip r:embed="rId4"/>
+          <a:stretch>
+            <a:fillRect/>
+          </a:stretch>
+        </p:blipFill>
+        <p:spPr>
+          <a:xfrm>
+            <a:off x="8509000" y="9372600"/>
+            <a:ext cx="1295400" cy="1092200"/>
+          </a:xfrm>
+          <a:prstGeom prst="rect">
+            <a:avLst/>
+          </a:prstGeom>
+        </p:spPr>
+      </p:pic>
+      <p:sp>
+        <p:nvSpPr>
+          <p:cNvPr id="5" name="TextBox 5"/>
+          <p:cNvSpPr txBox="1"/>
+          <p:nvPr/>
+        </p:nvSpPr>
+        <p:spPr>
+          <a:xfrm>
+            <a:off x="8750300" y="9575800"/>
+            <a:ext cx="787400" cy="317500"/>
+          </a:xfrm>
+          <a:prstGeom prst="rect">
+            <a:avLst/>
+          </a:prstGeom>
+        </p:spPr>
+        <p:txBody>
+          <a:bodyPr lIns="0" tIns="0" rIns="0" bIns="0" anchor="ctr"/>
+          <a:lstStyle/>
+          <a:p>
+            <a:pPr lvl="0" algn="ctr">
+              <a:lnSpc>
+                <a:spcPct val="120000"/>
+              </a:lnSpc>
+              <a:defRPr/>
+            </a:pPr>
+            <a:r>
+              <a:rPr lang="en-US" sz="1800" b="0" i="0" u="none" strike="noStrike" dirty="0">
+                <a:solidFill>
+                  <a:srgbClr val="4FA8CA"/>
+                </a:solidFill>
+                <a:latin typeface="나눔스퀘어OTF"/>
+              </a:rPr>
+              <a:t>14</a:t>
+            </a:r>
+          </a:p>
+        </p:txBody>
+      </p:sp>
+      <p:sp>
+        <p:nvSpPr>
+          <p:cNvPr id="7" name="TextBox 7"/>
+          <p:cNvSpPr txBox="1"/>
+          <p:nvPr/>
+        </p:nvSpPr>
+        <p:spPr>
+          <a:xfrm>
+            <a:off x="14478000" y="762000"/>
+            <a:ext cx="3022600" cy="304800"/>
+          </a:xfrm>
+          <a:prstGeom prst="rect">
+            <a:avLst/>
+          </a:prstGeom>
+        </p:spPr>
+        <p:txBody>
+          <a:bodyPr lIns="0" tIns="0" rIns="0" bIns="0" anchor="ctr"/>
+          <a:lstStyle/>
+          <a:p>
+            <a:pPr lvl="0" algn="r">
+              <a:lnSpc>
+                <a:spcPct val="120000"/>
+              </a:lnSpc>
+              <a:defRPr/>
+            </a:pPr>
+            <a:r>
+              <a:rPr lang="en-US" sz="1700" b="0" i="0" u="none" strike="noStrike" spc="200">
+                <a:solidFill>
+                  <a:srgbClr val="4FA8CA"/>
+                </a:solidFill>
+                <a:latin typeface="나눔스퀘어OTF"/>
+              </a:rPr>
+              <a:t>DECS</a:t>
+            </a:r>
+          </a:p>
+        </p:txBody>
+      </p:sp>
+      <p:pic>
+        <p:nvPicPr>
+          <p:cNvPr id="8" name="Picture 8"/>
+          <p:cNvPicPr>
+            <a:picLocks noChangeAspect="1"/>
+          </p:cNvPicPr>
+          <p:nvPr/>
+        </p:nvPicPr>
+        <p:blipFill rotWithShape="1">
+          <a:blip r:embed="rId5"/>
+          <a:stretch>
+            <a:fillRect/>
+          </a:stretch>
+        </p:blipFill>
+        <p:spPr>
+          <a:xfrm>
+            <a:off x="6070600" y="-25400"/>
+            <a:ext cx="6159500" cy="838200"/>
+          </a:xfrm>
+          <a:prstGeom prst="rect">
+            <a:avLst/>
+          </a:prstGeom>
+        </p:spPr>
+      </p:pic>
+      <p:sp>
+        <p:nvSpPr>
+          <p:cNvPr id="26" name="TextBox 26"/>
+          <p:cNvSpPr txBox="1"/>
+          <p:nvPr/>
+        </p:nvSpPr>
+        <p:spPr>
+          <a:xfrm>
+            <a:off x="4470400" y="1257300"/>
+            <a:ext cx="9347200" cy="1066800"/>
+          </a:xfrm>
+          <a:prstGeom prst="rect">
+            <a:avLst/>
+          </a:prstGeom>
+        </p:spPr>
+        <p:txBody>
+          <a:bodyPr lIns="0" tIns="0" rIns="0" bIns="0" anchor="ctr"/>
+          <a:lstStyle/>
+          <a:p>
+            <a:pPr lvl="0" algn="ctr">
+              <a:lnSpc>
+                <a:spcPct val="120000"/>
+              </a:lnSpc>
+              <a:defRPr/>
+            </a:pPr>
+            <a:r>
+              <a:rPr lang="en-US" altLang="ko-KR" sz="6000">
+                <a:solidFill>
+                  <a:srgbClr val="4FA8CA"/>
+                </a:solidFill>
+                <a:latin typeface="나눔스퀘어OTF Bold"/>
+                <a:ea typeface="나눔스퀘어OTF Bold"/>
+              </a:rPr>
+              <a:t>Anomaly Detection</a:t>
+            </a:r>
+          </a:p>
+        </p:txBody>
+      </p:sp>
+      <p:pic>
+        <p:nvPicPr>
+          <p:cNvPr id="2" name="Picture 6"/>
+          <p:cNvPicPr>
+            <a:picLocks noChangeAspect="1"/>
+          </p:cNvPicPr>
+          <p:nvPr/>
+        </p:nvPicPr>
+        <p:blipFill rotWithShape="1">
+          <a:blip r:embed="rId6"/>
+          <a:stretch>
+            <a:fillRect/>
+          </a:stretch>
+        </p:blipFill>
+        <p:spPr>
+          <a:xfrm>
+            <a:off x="4470400" y="1563503"/>
+            <a:ext cx="9347200" cy="558800"/>
+          </a:xfrm>
+          <a:prstGeom prst="rect">
+            <a:avLst/>
+          </a:prstGeom>
+        </p:spPr>
+      </p:pic>
+      <p:sp>
+        <p:nvSpPr>
+          <p:cNvPr id="14" name="TextBox 6"/>
+          <p:cNvSpPr txBox="1"/>
+          <p:nvPr/>
+        </p:nvSpPr>
+        <p:spPr>
+          <a:xfrm>
+            <a:off x="2514600" y="3162300"/>
+            <a:ext cx="4572000" cy="451277"/>
+          </a:xfrm>
+          <a:prstGeom prst="rect">
+            <a:avLst/>
+          </a:prstGeom>
+        </p:spPr>
+        <p:txBody>
+          <a:bodyPr wrap="square" lIns="0" tIns="0" rIns="0" bIns="0" anchor="t">
+            <a:spAutoFit/>
+          </a:bodyPr>
+          <a:lstStyle/>
+          <a:p>
+            <a:pPr algn="l">
+              <a:lnSpc>
+                <a:spcPts val="3359"/>
+              </a:lnSpc>
+              <a:spcBef>
+                <a:spcPct val="0"/>
+              </a:spcBef>
+              <a:defRPr/>
+            </a:pPr>
+            <a:r>
+              <a:rPr lang="ko-KR" altLang="en-US" sz="3500" spc="-45" dirty="0">
+                <a:solidFill>
+                  <a:schemeClr val="dk1"/>
+                </a:solidFill>
+                <a:latin typeface="나눔스퀘어OTF Bold" panose="020B0600000101010101" pitchFamily="34" charset="-127"/>
+                <a:ea typeface="나눔스퀘어OTF Bold" panose="020B0600000101010101" pitchFamily="34" charset="-127"/>
+              </a:rPr>
+              <a:t>선정 이유</a:t>
+            </a:r>
+          </a:p>
+        </p:txBody>
+      </p:sp>
+      <p:pic>
+        <p:nvPicPr>
+          <p:cNvPr id="17" name="그림 16"/>
+          <p:cNvPicPr>
+            <a:picLocks noChangeAspect="1"/>
+          </p:cNvPicPr>
+          <p:nvPr/>
+        </p:nvPicPr>
+        <p:blipFill rotWithShape="1">
+          <a:blip r:embed="rId7"/>
+          <a:stretch>
+            <a:fillRect/>
+          </a:stretch>
+        </p:blipFill>
+        <p:spPr>
+          <a:xfrm>
+            <a:off x="5467350" y="3162300"/>
+            <a:ext cx="7353300" cy="4259589"/>
+          </a:xfrm>
+          <a:prstGeom prst="rect">
+            <a:avLst/>
+          </a:prstGeom>
+        </p:spPr>
+      </p:pic>
+      <p:grpSp>
+        <p:nvGrpSpPr>
+          <p:cNvPr id="29" name="그룹 28"/>
+          <p:cNvGrpSpPr/>
+          <p:nvPr/>
+        </p:nvGrpSpPr>
+        <p:grpSpPr>
+          <a:xfrm>
+            <a:off x="1512189" y="2988373"/>
+            <a:ext cx="787400" cy="787400"/>
+            <a:chOff x="1508125" y="3000375"/>
+            <a:chExt cx="787400" cy="787400"/>
+          </a:xfrm>
+        </p:grpSpPr>
+        <p:pic>
+          <p:nvPicPr>
+            <p:cNvPr id="30" name="Picture 21"/>
+            <p:cNvPicPr>
+              <a:picLocks noChangeAspect="1"/>
+            </p:cNvPicPr>
+            <p:nvPr/>
+          </p:nvPicPr>
+          <p:blipFill rotWithShape="1">
+            <a:blip r:embed="rId8">
+              <a:alphaModFix/>
+              <a:lum/>
+            </a:blip>
+            <a:stretch>
+              <a:fillRect/>
+            </a:stretch>
+          </p:blipFill>
+          <p:spPr>
+            <a:xfrm>
+              <a:off x="1508125" y="3000375"/>
+              <a:ext cx="787400" cy="787400"/>
+            </a:xfrm>
+            <a:prstGeom prst="rect">
+              <a:avLst/>
+            </a:prstGeom>
+            <a:noFill/>
+          </p:spPr>
+        </p:pic>
+        <p:pic>
+          <p:nvPicPr>
+            <p:cNvPr id="31" name="그림 30"/>
+            <p:cNvPicPr>
+              <a:picLocks noChangeAspect="1"/>
+            </p:cNvPicPr>
+            <p:nvPr/>
+          </p:nvPicPr>
+          <p:blipFill rotWithShape="1">
+            <a:blip r:embed="rId9"/>
+            <a:srcRect/>
+            <a:stretch>
+              <a:fillRect/>
+            </a:stretch>
+          </p:blipFill>
+          <p:spPr>
+            <a:xfrm>
+              <a:off x="1628775" y="3127057"/>
+              <a:ext cx="538717" cy="538717"/>
+            </a:xfrm>
+            <a:prstGeom prst="rect">
+              <a:avLst/>
+            </a:prstGeom>
+          </p:spPr>
+        </p:pic>
+      </p:grpSp>
+      <p:grpSp>
+        <p:nvGrpSpPr>
+          <p:cNvPr id="12" name="그룹 11">
+            <a:extLst>
+              <a:ext uri="{FF2B5EF4-FFF2-40B4-BE49-F238E27FC236}">
+                <a16:creationId xmlns:a16="http://schemas.microsoft.com/office/drawing/2014/main" id="{DCBD296D-2B16-9A27-97DA-4DABA9628178}"/>
+              </a:ext>
+            </a:extLst>
+          </p:cNvPr>
+          <p:cNvGrpSpPr/>
+          <p:nvPr/>
+        </p:nvGrpSpPr>
+        <p:grpSpPr>
+          <a:xfrm>
+            <a:off x="2743200" y="7581900"/>
+            <a:ext cx="14020800" cy="2215991"/>
+            <a:chOff x="2971800" y="7626203"/>
+            <a:chExt cx="13182600" cy="2215991"/>
+          </a:xfrm>
+        </p:grpSpPr>
+        <p:sp>
+          <p:nvSpPr>
+            <p:cNvPr id="10" name="TextBox 3"/>
+            <p:cNvSpPr txBox="1"/>
+            <p:nvPr/>
+          </p:nvSpPr>
+          <p:spPr>
+            <a:xfrm>
+              <a:off x="3437031" y="7626203"/>
+              <a:ext cx="12717369" cy="2215991"/>
+            </a:xfrm>
+            <a:prstGeom prst="rect">
+              <a:avLst/>
+            </a:prstGeom>
+          </p:spPr>
+          <p:txBody>
+            <a:bodyPr wrap="square" lIns="0" tIns="0" rIns="0" bIns="0" anchor="t">
+              <a:spAutoFit/>
+            </a:bodyPr>
+            <a:lstStyle/>
+            <a:p>
+              <a:pPr algn="l">
+                <a:defRPr/>
+              </a:pPr>
+              <a:r>
+                <a:rPr lang="ko-KR" altLang="en-US" sz="2400" b="0" i="0" dirty="0">
+                  <a:effectLst/>
+                  <a:latin typeface="나눔스퀘어OTF" panose="020B0600000101010101" pitchFamily="34" charset="-127"/>
+                  <a:ea typeface="나눔스퀘어OTF" panose="020B0600000101010101" pitchFamily="34" charset="-127"/>
+                </a:rPr>
+                <a:t>기존 </a:t>
+              </a:r>
+              <a:r>
+                <a:rPr lang="en-US" altLang="ko-KR" sz="2400" b="0" i="0" dirty="0">
+                  <a:effectLst/>
+                  <a:latin typeface="나눔스퀘어OTF" panose="020B0600000101010101" pitchFamily="34" charset="-127"/>
+                  <a:ea typeface="나눔스퀘어OTF" panose="020B0600000101010101" pitchFamily="34" charset="-127"/>
+                </a:rPr>
+                <a:t>Anomaly Detection</a:t>
+              </a:r>
+              <a:r>
+                <a:rPr lang="ko-KR" altLang="en-US" sz="2400" b="0" i="0" dirty="0">
+                  <a:effectLst/>
+                  <a:latin typeface="나눔스퀘어OTF" panose="020B0600000101010101" pitchFamily="34" charset="-127"/>
+                  <a:ea typeface="나눔스퀘어OTF" panose="020B0600000101010101" pitchFamily="34" charset="-127"/>
+                </a:rPr>
+                <a:t>에 관한 </a:t>
+              </a:r>
+              <a:r>
+                <a:rPr lang="ko-KR" altLang="en-US" sz="2400" dirty="0">
+                  <a:latin typeface="나눔스퀘어OTF" panose="020B0600000101010101" pitchFamily="34" charset="-127"/>
+                  <a:ea typeface="나눔스퀘어OTF" panose="020B0600000101010101" pitchFamily="34" charset="-127"/>
+                </a:rPr>
+                <a:t>연구들은 </a:t>
+              </a:r>
+              <a:r>
+                <a:rPr lang="ko-KR" altLang="en-US" sz="2400" b="0" i="0" dirty="0">
+                  <a:effectLst/>
+                  <a:latin typeface="나눔스퀘어OTF ExtraBold" panose="020B0600000101010101" pitchFamily="34" charset="-127"/>
+                  <a:ea typeface="나눔스퀘어OTF ExtraBold" panose="020B0600000101010101" pitchFamily="34" charset="-127"/>
+                </a:rPr>
+                <a:t>비지도 학습 기반</a:t>
+              </a:r>
+              <a:r>
+                <a:rPr lang="ko-KR" altLang="en-US" sz="2400" b="0" i="0" dirty="0">
+                  <a:effectLst/>
+                  <a:latin typeface="나눔스퀘어OTF" panose="020B0600000101010101" pitchFamily="34" charset="-127"/>
+                  <a:ea typeface="나눔스퀘어OTF" panose="020B0600000101010101" pitchFamily="34" charset="-127"/>
+                </a:rPr>
+                <a:t>의 이상 탐지 알고리즘에 관한 연구에 집중</a:t>
+              </a:r>
+              <a:r>
+                <a:rPr lang="ko-KR" altLang="en-US" sz="2400" dirty="0">
+                  <a:latin typeface="나눔스퀘어OTF" panose="020B0600000101010101" pitchFamily="34" charset="-127"/>
+                  <a:ea typeface="나눔스퀘어OTF" panose="020B0600000101010101" pitchFamily="34" charset="-127"/>
+                </a:rPr>
+                <a:t>됨</a:t>
+              </a:r>
+              <a:endParaRPr lang="ko-KR" altLang="en-US" sz="2400" b="0" i="0" dirty="0">
+                <a:effectLst/>
+                <a:latin typeface="나눔스퀘어OTF" panose="020B0600000101010101" pitchFamily="34" charset="-127"/>
+                <a:ea typeface="나눔스퀘어OTF" panose="020B0600000101010101" pitchFamily="34" charset="-127"/>
+              </a:endParaRPr>
+            </a:p>
+            <a:p>
+              <a:pPr algn="l">
+                <a:defRPr/>
+              </a:pPr>
+              <a:endParaRPr lang="en-US" altLang="ko-KR" sz="2400" b="0" i="0" dirty="0">
+                <a:effectLst/>
+                <a:latin typeface="나눔스퀘어OTF" panose="020B0600000101010101" pitchFamily="34" charset="-127"/>
+                <a:ea typeface="나눔스퀘어OTF" panose="020B0600000101010101" pitchFamily="34" charset="-127"/>
+              </a:endParaRPr>
+            </a:p>
+            <a:p>
+              <a:pPr algn="l">
+                <a:lnSpc>
+                  <a:spcPct val="150000"/>
+                </a:lnSpc>
+                <a:defRPr/>
+              </a:pPr>
+              <a:r>
+                <a:rPr lang="ko-KR" altLang="en-US" sz="2400" b="0" i="0" dirty="0">
+                  <a:effectLst/>
+                  <a:latin typeface="나눔스퀘어OTF ExtraBold" panose="020B0600000101010101" pitchFamily="34" charset="-127"/>
+                  <a:ea typeface="나눔스퀘어OTF ExtraBold" panose="020B0600000101010101" pitchFamily="34" charset="-127"/>
+                </a:rPr>
+                <a:t>데이터의 양이 많을수록 더 높은 성능</a:t>
+              </a:r>
+              <a:r>
+                <a:rPr lang="ko-KR" altLang="en-US" sz="2400" b="0" i="0" dirty="0">
+                  <a:effectLst/>
+                  <a:latin typeface="나눔스퀘어OTF" panose="020B0600000101010101" pitchFamily="34" charset="-127"/>
+                  <a:ea typeface="나눔스퀘어OTF" panose="020B0600000101010101" pitchFamily="34" charset="-127"/>
+                </a:rPr>
+                <a:t>을 보이므로</a:t>
+              </a:r>
+              <a:r>
+                <a:rPr lang="en-US" altLang="ko-KR" sz="2400" b="0" i="0" dirty="0">
+                  <a:effectLst/>
+                  <a:latin typeface="나눔스퀘어OTF" panose="020B0600000101010101" pitchFamily="34" charset="-127"/>
+                  <a:ea typeface="나눔스퀘어OTF" panose="020B0600000101010101" pitchFamily="34" charset="-127"/>
+                </a:rPr>
+                <a:t>, </a:t>
+              </a:r>
+              <a:r>
+                <a:rPr lang="ko-KR" altLang="en-US" sz="2400" b="0" i="0" dirty="0">
+                  <a:effectLst/>
+                  <a:latin typeface="나눔스퀘어OTF" panose="020B0600000101010101" pitchFamily="34" charset="-127"/>
+                  <a:ea typeface="나눔스퀘어OTF" panose="020B0600000101010101" pitchFamily="34" charset="-127"/>
+                </a:rPr>
+                <a:t>음성 데이터의 수집과 분석이 확대됨에 따라 그 성능은 계속해서 향상될 것이라 생각하여 선정함</a:t>
+              </a:r>
+            </a:p>
+            <a:p>
+              <a:pPr algn="l">
+                <a:defRPr/>
+              </a:pPr>
+              <a:endParaRPr lang="en-US" altLang="ko-KR" sz="2400" b="0" i="0" dirty="0">
+                <a:effectLst/>
+                <a:latin typeface="나눔스퀘어OTF" panose="020B0600000101010101" pitchFamily="34" charset="-127"/>
+                <a:ea typeface="나눔스퀘어OTF" panose="020B0600000101010101" pitchFamily="34" charset="-127"/>
+              </a:endParaRPr>
+            </a:p>
+          </p:txBody>
+        </p:sp>
+        <p:pic>
+          <p:nvPicPr>
+            <p:cNvPr id="9" name="Picture 16">
+              <a:extLst>
+                <a:ext uri="{FF2B5EF4-FFF2-40B4-BE49-F238E27FC236}">
+                  <a16:creationId xmlns:a16="http://schemas.microsoft.com/office/drawing/2014/main" id="{4827DCB3-6346-2967-D534-5FA93699B77A}"/>
+                </a:ext>
+              </a:extLst>
+            </p:cNvPr>
+            <p:cNvPicPr>
+              <a:picLocks noChangeAspect="1"/>
+            </p:cNvPicPr>
+            <p:nvPr/>
+          </p:nvPicPr>
+          <p:blipFill>
+            <a:blip r:embed="rId10"/>
+            <a:stretch>
+              <a:fillRect/>
+            </a:stretch>
+          </p:blipFill>
+          <p:spPr>
+            <a:xfrm>
+              <a:off x="2971800" y="7668000"/>
+              <a:ext cx="304800" cy="266700"/>
+            </a:xfrm>
+            <a:prstGeom prst="rect">
+              <a:avLst/>
+            </a:prstGeom>
+          </p:spPr>
+        </p:pic>
+        <p:pic>
+          <p:nvPicPr>
+            <p:cNvPr id="11" name="Picture 16">
+              <a:extLst>
+                <a:ext uri="{FF2B5EF4-FFF2-40B4-BE49-F238E27FC236}">
+                  <a16:creationId xmlns:a16="http://schemas.microsoft.com/office/drawing/2014/main" id="{59624DF5-3138-26AC-F8FD-F59205BD336E}"/>
+                </a:ext>
+              </a:extLst>
+            </p:cNvPr>
+            <p:cNvPicPr>
+              <a:picLocks noChangeAspect="1"/>
+            </p:cNvPicPr>
+            <p:nvPr/>
+          </p:nvPicPr>
+          <p:blipFill>
+            <a:blip r:embed="rId10"/>
+            <a:stretch>
+              <a:fillRect/>
+            </a:stretch>
+          </p:blipFill>
+          <p:spPr>
+            <a:xfrm>
+              <a:off x="2974258" y="8540603"/>
+              <a:ext cx="304800" cy="266700"/>
+            </a:xfrm>
+            <a:prstGeom prst="rect">
+              <a:avLst/>
+            </a:prstGeom>
+          </p:spPr>
+        </p:pic>
+      </p:grpSp>
     </p:spTree>
   </p:cSld>
   <p:clrMapOvr>
@@ -9214,17 +10711,9 @@
 </p:sld>
 </file>
 
-<file path=ppt/slides/slide12.xml><?xml version="1.0" encoding="utf-8"?>
+<file path=ppt/slides/slide14.xml><?xml version="1.0" encoding="utf-8"?>
 <p:sld xmlns:a="http://schemas.openxmlformats.org/drawingml/2006/main" xmlns:r="http://schemas.openxmlformats.org/officeDocument/2006/relationships" xmlns:p="http://schemas.openxmlformats.org/presentationml/2006/main">
   <p:cSld>
-    <p:bg>
-      <p:bgPr>
-        <a:solidFill>
-          <a:srgbClr val="EBF4F7"/>
-        </a:solidFill>
-        <a:effectLst/>
-      </p:bgPr>
-    </p:bg>
     <p:spTree>
       <p:nvGrpSpPr>
         <p:cNvPr id="1" name=""/>
@@ -9340,7 +10829,7 @@
                 </a:solidFill>
                 <a:latin typeface="나눔스퀘어OTF"/>
               </a:rPr>
-              <a:t>12</a:t>
+              <a:t>11</a:t>
             </a:r>
           </a:p>
         </p:txBody>
@@ -9460,9 +10949,9 @@
         <p:grpSpPr>
           <a:xfrm>
             <a:off x="528797" y="2531117"/>
-            <a:ext cx="8069451" cy="7236787"/>
+            <a:ext cx="8069451" cy="6762018"/>
             <a:chOff x="553849" y="2531117"/>
-            <a:chExt cx="8069451" cy="7236787"/>
+            <a:chExt cx="8069451" cy="6762018"/>
           </a:xfrm>
         </p:grpSpPr>
         <p:grpSp>
@@ -9474,9 +10963,9 @@
           <p:grpSpPr>
             <a:xfrm>
               <a:off x="553849" y="2531117"/>
-              <a:ext cx="8069451" cy="7236787"/>
+              <a:ext cx="8069451" cy="6762018"/>
               <a:chOff x="287149" y="2531117"/>
-              <a:chExt cx="8069451" cy="7236787"/>
+              <a:chExt cx="8069451" cy="6762018"/>
             </a:xfrm>
           </p:grpSpPr>
           <p:pic>
@@ -9601,58 +11090,6 @@
                   <a:t>)</a:t>
                 </a:r>
                 <a:endParaRPr lang="en-US" sz="2000" b="0" i="0" strike="noStrike" dirty="0">
-                  <a:solidFill>
-                    <a:schemeClr val="tx1">
-                      <a:alpha val="70200"/>
-                    </a:schemeClr>
-                  </a:solidFill>
-                  <a:latin typeface="나눔스퀘어OTF"/>
-                  <a:ea typeface="나눔스퀘어OTF"/>
-                </a:endParaRPr>
-              </a:p>
-            </p:txBody>
-          </p:sp>
-          <p:sp>
-            <p:nvSpPr>
-              <p:cNvPr id="31" name="TextBox 30"/>
-              <p:cNvSpPr txBox="1"/>
-              <p:nvPr/>
-            </p:nvSpPr>
-            <p:spPr>
-              <a:xfrm>
-                <a:off x="967060" y="9304444"/>
-                <a:ext cx="5689948" cy="463460"/>
-              </a:xfrm>
-              <a:prstGeom prst="rect">
-                <a:avLst/>
-              </a:prstGeom>
-              <a:noFill/>
-            </p:spPr>
-            <p:txBody>
-              <a:bodyPr wrap="square">
-                <a:spAutoFit/>
-              </a:bodyPr>
-              <a:lstStyle/>
-              <a:p>
-                <a:pPr lvl="0" algn="ctr">
-                  <a:lnSpc>
-                    <a:spcPct val="130000"/>
-                  </a:lnSpc>
-                  <a:defRPr/>
-                </a:pPr>
-                <a:r>
-                  <a:rPr lang="ko-KR" altLang="en-US" sz="2000" b="0" i="0" strike="noStrike" dirty="0">
-                    <a:solidFill>
-                      <a:schemeClr val="tx1">
-                        <a:alpha val="70200"/>
-                      </a:schemeClr>
-                    </a:solidFill>
-                    <a:latin typeface="나눔스퀘어OTF"/>
-                    <a:ea typeface="나눔스퀘어OTF"/>
-                  </a:rPr>
-                  <a:t>재구성 오류 분포 그래프</a:t>
-                </a:r>
-                <a:endParaRPr lang="en-US" altLang="ko-KR" sz="2000" b="0" i="0" strike="noStrike" dirty="0">
                   <a:solidFill>
                     <a:schemeClr val="tx1">
                       <a:alpha val="70200"/>
@@ -10463,6 +11900,11 @@
         </p:spPr>
       </p:pic>
     </p:spTree>
+    <p:extLst>
+      <p:ext uri="{BB962C8B-B14F-4D97-AF65-F5344CB8AC3E}">
+        <p14:creationId xmlns:p14="http://schemas.microsoft.com/office/powerpoint/2010/main" val="3656494105"/>
+      </p:ext>
+    </p:extLst>
   </p:cSld>
   <p:clrMapOvr>
     <a:masterClrMapping/>
@@ -10471,14 +11913,14 @@
     <mc:Choice Requires="p14">
       <p:transition/>
     </mc:Choice>
-    <mc:Fallback xmlns="" xmlns:c="http://schemas.openxmlformats.org/drawingml/2006/chart" xmlns:dgm="http://schemas.openxmlformats.org/drawingml/2006/diagram" xmlns:dsp="http://schemas.microsoft.com/office/drawing/2008/diagram">
+    <mc:Fallback xmlns:dsp="http://schemas.microsoft.com/office/drawing/2008/diagram" xmlns:dgm="http://schemas.openxmlformats.org/drawingml/2006/diagram" xmlns:c="http://schemas.openxmlformats.org/drawingml/2006/chart" xmlns="">
       <p:transition/>
     </mc:Fallback>
   </mc:AlternateContent>
 </p:sld>
 </file>
 
-<file path=ppt/slides/slide13.xml><?xml version="1.0" encoding="utf-8"?>
+<file path=ppt/slides/slide15.xml><?xml version="1.0" encoding="utf-8"?>
 <p:sld xmlns:a="http://schemas.openxmlformats.org/drawingml/2006/main" xmlns:r="http://schemas.openxmlformats.org/officeDocument/2006/relationships" xmlns:p="http://schemas.openxmlformats.org/presentationml/2006/main">
   <p:cSld>
     <p:bg>
@@ -11742,7 +13184,7 @@
                 </a:solidFill>
                 <a:latin typeface="나눔스퀘어OTF"/>
               </a:rPr>
-              <a:t>13</a:t>
+              <a:t>15</a:t>
             </a:r>
           </a:p>
         </p:txBody>
@@ -11756,14 +13198,14 @@
     <mc:Choice Requires="p14">
       <p:transition/>
     </mc:Choice>
-    <mc:Fallback xmlns="" xmlns:c="http://schemas.openxmlformats.org/drawingml/2006/chart" xmlns:dgm="http://schemas.openxmlformats.org/drawingml/2006/diagram" xmlns:dsp="http://schemas.microsoft.com/office/drawing/2008/diagram">
+    <mc:Fallback xmlns:dsp="http://schemas.microsoft.com/office/drawing/2008/diagram" xmlns:dgm="http://schemas.openxmlformats.org/drawingml/2006/diagram" xmlns:c="http://schemas.openxmlformats.org/drawingml/2006/chart" xmlns="">
       <p:transition/>
     </mc:Fallback>
   </mc:AlternateContent>
 </p:sld>
 </file>
 
-<file path=ppt/slides/slide14.xml><?xml version="1.0" encoding="utf-8"?>
+<file path=ppt/slides/slide16.xml><?xml version="1.0" encoding="utf-8"?>
 <p:sld xmlns:a="http://schemas.openxmlformats.org/drawingml/2006/main" xmlns:r="http://schemas.openxmlformats.org/officeDocument/2006/relationships" xmlns:p="http://schemas.openxmlformats.org/presentationml/2006/main">
   <p:cSld>
     <p:bg>
@@ -11851,96 +13293,6 @@
           </a:prstGeom>
         </p:spPr>
       </p:pic>
-      <p:sp>
-        <p:nvSpPr>
-          <p:cNvPr id="7" name="TextBox 7"/>
-          <p:cNvSpPr txBox="1"/>
-          <p:nvPr/>
-        </p:nvSpPr>
-        <p:spPr>
-          <a:xfrm>
-            <a:off x="3956050" y="8089900"/>
-            <a:ext cx="10375900" cy="711200"/>
-          </a:xfrm>
-          <a:prstGeom prst="rect">
-            <a:avLst/>
-          </a:prstGeom>
-        </p:spPr>
-        <p:txBody>
-          <a:bodyPr lIns="0" tIns="0" rIns="0" bIns="0" rtlCol="0" anchor="ctr"/>
-          <a:lstStyle/>
-          <a:p>
-            <a:pPr marL="342900" lvl="0" indent="-342900" algn="l">
-              <a:lnSpc>
-                <a:spcPct val="116199"/>
-              </a:lnSpc>
-              <a:buClr>
-                <a:srgbClr val="505050"/>
-              </a:buClr>
-              <a:buFont typeface="Arial"/>
-              <a:buChar char="●"/>
-            </a:pPr>
-            <a:r>
-              <a:rPr lang="ko-KR" altLang="en-US" sz="2400" dirty="0">
-                <a:latin typeface="나눔스퀘어OTF" panose="020B0600000101010101" pitchFamily="34" charset="-127"/>
-                <a:ea typeface="나눔스퀘어OTF" panose="020B0600000101010101" pitchFamily="34" charset="-127"/>
-              </a:rPr>
-              <a:t>현재 노이즈가 섞인 데이터에 대해 비교적 안정적인 재구성 성능을 보여주고 있음</a:t>
-            </a:r>
-            <a:endParaRPr lang="en-US" altLang="ko-KR" sz="2400" dirty="0">
-              <a:latin typeface="나눔스퀘어OTF" panose="020B0600000101010101" pitchFamily="34" charset="-127"/>
-              <a:ea typeface="나눔스퀘어OTF" panose="020B0600000101010101" pitchFamily="34" charset="-127"/>
-            </a:endParaRPr>
-          </a:p>
-          <a:p>
-            <a:pPr marL="342900" lvl="0" indent="-342900" algn="l">
-              <a:lnSpc>
-                <a:spcPct val="116199"/>
-              </a:lnSpc>
-              <a:buClr>
-                <a:srgbClr val="505050"/>
-              </a:buClr>
-              <a:buFont typeface="Arial"/>
-              <a:buChar char="●"/>
-            </a:pPr>
-            <a:r>
-              <a:rPr lang="en-US" altLang="ko-KR" sz="2400" dirty="0">
-                <a:latin typeface="나눔스퀘어OTF" panose="020B0600000101010101" pitchFamily="34" charset="-127"/>
-                <a:ea typeface="나눔스퀘어OTF" panose="020B0600000101010101" pitchFamily="34" charset="-127"/>
-              </a:rPr>
-              <a:t>MSE</a:t>
-            </a:r>
-            <a:r>
-              <a:rPr lang="ko-KR" altLang="en-US" sz="2400" dirty="0">
-                <a:latin typeface="나눔스퀘어OTF" panose="020B0600000101010101" pitchFamily="34" charset="-127"/>
-                <a:ea typeface="나눔스퀘어OTF" panose="020B0600000101010101" pitchFamily="34" charset="-127"/>
-              </a:rPr>
-              <a:t>와 </a:t>
-            </a:r>
-            <a:r>
-              <a:rPr lang="en-US" altLang="ko-KR" sz="2400" dirty="0">
-                <a:latin typeface="나눔스퀘어OTF" panose="020B0600000101010101" pitchFamily="34" charset="-127"/>
-                <a:ea typeface="나눔스퀘어OTF" panose="020B0600000101010101" pitchFamily="34" charset="-127"/>
-              </a:rPr>
-              <a:t>MAE</a:t>
-            </a:r>
-            <a:r>
-              <a:rPr lang="ko-KR" altLang="en-US" sz="2400" dirty="0">
-                <a:latin typeface="나눔스퀘어OTF" panose="020B0600000101010101" pitchFamily="34" charset="-127"/>
-                <a:ea typeface="나눔스퀘어OTF" panose="020B0600000101010101" pitchFamily="34" charset="-127"/>
-              </a:rPr>
-              <a:t>의 차이가 크지 않다는 점에서 높은 신뢰성을 보임</a:t>
-            </a:r>
-            <a:endParaRPr lang="en-US" sz="2400" b="0" i="0" u="none" strike="noStrike" dirty="0">
-              <a:solidFill>
-                <a:srgbClr val="505050"/>
-              </a:solidFill>
-              <a:latin typeface="나눔스퀘어OTF" panose="020B0600000101010101" pitchFamily="34" charset="-127"/>
-              <a:ea typeface="나눔스퀘어OTF" panose="020B0600000101010101" pitchFamily="34" charset="-127"/>
-            </a:endParaRPr>
-          </a:p>
-        </p:txBody>
-      </p:sp>
       <p:sp>
         <p:nvSpPr>
           <p:cNvPr id="9" name="TextBox 9"/>
@@ -12103,7 +13455,7 @@
                 </a:solidFill>
                 <a:latin typeface="나눔스퀘어OTF"/>
               </a:rPr>
-              <a:t>14</a:t>
+              <a:t>16</a:t>
             </a:r>
           </a:p>
         </p:txBody>
@@ -12260,6 +13612,66 @@
           </a:graphicData>
         </a:graphic>
       </p:graphicFrame>
+      <p:pic>
+        <p:nvPicPr>
+          <p:cNvPr id="5" name="Picture 15">
+            <a:extLst>
+              <a:ext uri="{FF2B5EF4-FFF2-40B4-BE49-F238E27FC236}">
+                <a16:creationId xmlns:a16="http://schemas.microsoft.com/office/drawing/2014/main" id="{385DCCD3-F289-A7C4-4D03-FA8A393E0AD0}"/>
+              </a:ext>
+            </a:extLst>
+          </p:cNvPr>
+          <p:cNvPicPr>
+            <a:picLocks noChangeAspect="1"/>
+          </p:cNvPicPr>
+          <p:nvPr/>
+        </p:nvPicPr>
+        <p:blipFill>
+          <a:blip r:embed="rId7"/>
+          <a:stretch>
+            <a:fillRect/>
+          </a:stretch>
+        </p:blipFill>
+        <p:spPr>
+          <a:xfrm>
+            <a:off x="3683000" y="7734300"/>
+            <a:ext cx="10922000" cy="1506250"/>
+          </a:xfrm>
+          <a:prstGeom prst="rect">
+            <a:avLst/>
+          </a:prstGeom>
+        </p:spPr>
+      </p:pic>
+      <p:pic>
+        <p:nvPicPr>
+          <p:cNvPr id="6" name="Picture 18">
+            <a:extLst>
+              <a:ext uri="{FF2B5EF4-FFF2-40B4-BE49-F238E27FC236}">
+                <a16:creationId xmlns:a16="http://schemas.microsoft.com/office/drawing/2014/main" id="{7468914A-C14E-8492-ABCD-A3929E9D69CE}"/>
+              </a:ext>
+            </a:extLst>
+          </p:cNvPr>
+          <p:cNvPicPr>
+            <a:picLocks noChangeAspect="1"/>
+          </p:cNvPicPr>
+          <p:nvPr/>
+        </p:nvPicPr>
+        <p:blipFill>
+          <a:blip r:embed="rId8"/>
+          <a:stretch>
+            <a:fillRect/>
+          </a:stretch>
+        </p:blipFill>
+        <p:spPr>
+          <a:xfrm>
+            <a:off x="3441700" y="8267700"/>
+            <a:ext cx="444500" cy="444500"/>
+          </a:xfrm>
+          <a:prstGeom prst="rect">
+            <a:avLst/>
+          </a:prstGeom>
+        </p:spPr>
+      </p:pic>
       <p:graphicFrame>
         <p:nvGraphicFramePr>
           <p:cNvPr id="15" name="차트 14">
@@ -12284,7 +13696,7 @@
         </p:xfrm>
         <a:graphic>
           <a:graphicData uri="http://schemas.openxmlformats.org/drawingml/2006/chart">
-            <c:chart xmlns:c="http://schemas.openxmlformats.org/drawingml/2006/chart" xmlns:r="http://schemas.openxmlformats.org/officeDocument/2006/relationships" r:id="rId7"/>
+            <c:chart xmlns:c="http://schemas.openxmlformats.org/drawingml/2006/chart" xmlns:r="http://schemas.openxmlformats.org/officeDocument/2006/relationships" r:id="rId9"/>
           </a:graphicData>
         </a:graphic>
       </p:graphicFrame>
@@ -12546,6 +13958,114 @@
           </p:txBody>
         </p:sp>
       </p:grpSp>
+      <p:sp>
+        <p:nvSpPr>
+          <p:cNvPr id="7" name="TextBox 7"/>
+          <p:cNvSpPr txBox="1"/>
+          <p:nvPr/>
+        </p:nvSpPr>
+        <p:spPr>
+          <a:xfrm>
+            <a:off x="4025900" y="8089900"/>
+            <a:ext cx="10375900" cy="711200"/>
+          </a:xfrm>
+          <a:prstGeom prst="rect">
+            <a:avLst/>
+          </a:prstGeom>
+        </p:spPr>
+        <p:txBody>
+          <a:bodyPr lIns="0" tIns="0" rIns="0" bIns="0" rtlCol="0" anchor="ctr"/>
+          <a:lstStyle/>
+          <a:p>
+            <a:pPr marL="342900" lvl="0" indent="-342900" algn="l">
+              <a:lnSpc>
+                <a:spcPct val="116199"/>
+              </a:lnSpc>
+              <a:buClr>
+                <a:schemeClr val="bg1"/>
+              </a:buClr>
+              <a:buFont typeface="Arial"/>
+              <a:buChar char="●"/>
+            </a:pPr>
+            <a:r>
+              <a:rPr lang="ko-KR" altLang="en-US" sz="2400" dirty="0">
+                <a:solidFill>
+                  <a:schemeClr val="bg1"/>
+                </a:solidFill>
+                <a:latin typeface="나눔스퀘어OTF" panose="020B0600000101010101" pitchFamily="34" charset="-127"/>
+                <a:ea typeface="나눔스퀘어OTF" panose="020B0600000101010101" pitchFamily="34" charset="-127"/>
+              </a:rPr>
+              <a:t>현재 노이즈가 섞인 데이터에 대해 비교적 안정적인 재구성 성능을 보여주고 있음</a:t>
+            </a:r>
+            <a:endParaRPr lang="en-US" altLang="ko-KR" sz="2400" dirty="0">
+              <a:solidFill>
+                <a:schemeClr val="bg1"/>
+              </a:solidFill>
+              <a:latin typeface="나눔스퀘어OTF" panose="020B0600000101010101" pitchFamily="34" charset="-127"/>
+              <a:ea typeface="나눔스퀘어OTF" panose="020B0600000101010101" pitchFamily="34" charset="-127"/>
+            </a:endParaRPr>
+          </a:p>
+          <a:p>
+            <a:pPr marL="342900" lvl="0" indent="-342900" algn="l">
+              <a:lnSpc>
+                <a:spcPct val="116199"/>
+              </a:lnSpc>
+              <a:buClr>
+                <a:schemeClr val="bg1"/>
+              </a:buClr>
+              <a:buFont typeface="Arial"/>
+              <a:buChar char="●"/>
+            </a:pPr>
+            <a:r>
+              <a:rPr lang="en-US" altLang="ko-KR" sz="2400" dirty="0">
+                <a:solidFill>
+                  <a:schemeClr val="bg1"/>
+                </a:solidFill>
+                <a:latin typeface="나눔스퀘어OTF" panose="020B0600000101010101" pitchFamily="34" charset="-127"/>
+                <a:ea typeface="나눔스퀘어OTF" panose="020B0600000101010101" pitchFamily="34" charset="-127"/>
+              </a:rPr>
+              <a:t>MSE</a:t>
+            </a:r>
+            <a:r>
+              <a:rPr lang="ko-KR" altLang="en-US" sz="2400" dirty="0">
+                <a:solidFill>
+                  <a:schemeClr val="bg1"/>
+                </a:solidFill>
+                <a:latin typeface="나눔스퀘어OTF" panose="020B0600000101010101" pitchFamily="34" charset="-127"/>
+                <a:ea typeface="나눔스퀘어OTF" panose="020B0600000101010101" pitchFamily="34" charset="-127"/>
+              </a:rPr>
+              <a:t>와 </a:t>
+            </a:r>
+            <a:r>
+              <a:rPr lang="en-US" altLang="ko-KR" sz="2400" dirty="0">
+                <a:solidFill>
+                  <a:schemeClr val="bg1"/>
+                </a:solidFill>
+                <a:latin typeface="나눔스퀘어OTF" panose="020B0600000101010101" pitchFamily="34" charset="-127"/>
+                <a:ea typeface="나눔스퀘어OTF" panose="020B0600000101010101" pitchFamily="34" charset="-127"/>
+              </a:rPr>
+              <a:t>MAE</a:t>
+            </a:r>
+            <a:r>
+              <a:rPr lang="ko-KR" altLang="en-US" sz="2400" dirty="0">
+                <a:solidFill>
+                  <a:schemeClr val="bg1"/>
+                </a:solidFill>
+                <a:latin typeface="나눔스퀘어OTF" panose="020B0600000101010101" pitchFamily="34" charset="-127"/>
+                <a:ea typeface="나눔스퀘어OTF" panose="020B0600000101010101" pitchFamily="34" charset="-127"/>
+              </a:rPr>
+              <a:t>의 차이가 크지 않다는 점에서 높은 신뢰성을 보임</a:t>
+            </a:r>
+            <a:endParaRPr lang="en-US" sz="2400" b="0" i="0" u="none" strike="noStrike" dirty="0">
+              <a:solidFill>
+                <a:schemeClr val="bg1"/>
+              </a:solidFill>
+              <a:latin typeface="나눔스퀘어OTF" panose="020B0600000101010101" pitchFamily="34" charset="-127"/>
+              <a:ea typeface="나눔스퀘어OTF" panose="020B0600000101010101" pitchFamily="34" charset="-127"/>
+            </a:endParaRPr>
+          </a:p>
+        </p:txBody>
+      </p:sp>
     </p:spTree>
   </p:cSld>
   <p:clrMapOvr>
@@ -12554,7 +14074,7 @@
 </p:sld>
 </file>
 
-<file path=ppt/slides/slide15.xml><?xml version="1.0" encoding="utf-8"?>
+<file path=ppt/slides/slide17.xml><?xml version="1.0" encoding="utf-8"?>
 <p:sld xmlns:a="http://schemas.openxmlformats.org/drawingml/2006/main" xmlns:r="http://schemas.openxmlformats.org/officeDocument/2006/relationships" xmlns:p="http://schemas.openxmlformats.org/presentationml/2006/main">
   <p:cSld>
     <p:bg>

--- a/발표 자료/DECS_5차 발표 자료.pptx
+++ b/발표 자료/DECS_5차 발표 자료.pptx
@@ -9250,7 +9250,7 @@
     <mc:Choice Requires="p14">
       <p:transition/>
     </mc:Choice>
-    <mc:Fallback xmlns="" xmlns:c="http://schemas.openxmlformats.org/drawingml/2006/chart" xmlns:dgm="http://schemas.openxmlformats.org/drawingml/2006/diagram" xmlns:dsp="http://schemas.microsoft.com/office/drawing/2008/diagram">
+    <mc:Fallback xmlns:dsp="http://schemas.microsoft.com/office/drawing/2008/diagram" xmlns:dgm="http://schemas.openxmlformats.org/drawingml/2006/diagram" xmlns:c="http://schemas.openxmlformats.org/drawingml/2006/chart" xmlns="">
       <p:transition/>
     </mc:Fallback>
   </mc:AlternateContent>
@@ -10072,7 +10072,7 @@
     <mc:Choice Requires="p14">
       <p:transition/>
     </mc:Choice>
-    <mc:Fallback xmlns="" xmlns:c="http://schemas.openxmlformats.org/drawingml/2006/chart" xmlns:dgm="http://schemas.openxmlformats.org/drawingml/2006/diagram" xmlns:dsp="http://schemas.microsoft.com/office/drawing/2008/diagram">
+    <mc:Fallback xmlns:dsp="http://schemas.microsoft.com/office/drawing/2008/diagram" xmlns:dgm="http://schemas.openxmlformats.org/drawingml/2006/diagram" xmlns:c="http://schemas.openxmlformats.org/drawingml/2006/chart" xmlns="">
       <p:transition/>
     </mc:Fallback>
   </mc:AlternateContent>
@@ -10704,7 +10704,7 @@
     <mc:Choice Requires="p14">
       <p:transition/>
     </mc:Choice>
-    <mc:Fallback xmlns:dsp="http://schemas.microsoft.com/office/drawing/2008/diagram" xmlns:dgm="http://schemas.openxmlformats.org/drawingml/2006/diagram" xmlns:c="http://schemas.openxmlformats.org/drawingml/2006/chart" xmlns="">
+    <mc:Fallback xmlns="" xmlns:c="http://schemas.openxmlformats.org/drawingml/2006/chart" xmlns:dgm="http://schemas.openxmlformats.org/drawingml/2006/diagram" xmlns:dsp="http://schemas.microsoft.com/office/drawing/2008/diagram">
       <p:transition/>
     </mc:Fallback>
   </mc:AlternateContent>
@@ -11913,7 +11913,7 @@
     <mc:Choice Requires="p14">
       <p:transition/>
     </mc:Choice>
-    <mc:Fallback xmlns:dsp="http://schemas.microsoft.com/office/drawing/2008/diagram" xmlns:dgm="http://schemas.openxmlformats.org/drawingml/2006/diagram" xmlns:c="http://schemas.openxmlformats.org/drawingml/2006/chart" xmlns="">
+    <mc:Fallback xmlns="" xmlns:c="http://schemas.openxmlformats.org/drawingml/2006/chart" xmlns:dgm="http://schemas.openxmlformats.org/drawingml/2006/diagram" xmlns:dsp="http://schemas.microsoft.com/office/drawing/2008/diagram">
       <p:transition/>
     </mc:Fallback>
   </mc:AlternateContent>
@@ -13198,7 +13198,7 @@
     <mc:Choice Requires="p14">
       <p:transition/>
     </mc:Choice>
-    <mc:Fallback xmlns:dsp="http://schemas.microsoft.com/office/drawing/2008/diagram" xmlns:dgm="http://schemas.openxmlformats.org/drawingml/2006/diagram" xmlns:c="http://schemas.openxmlformats.org/drawingml/2006/chart" xmlns="">
+    <mc:Fallback xmlns="" xmlns:c="http://schemas.openxmlformats.org/drawingml/2006/chart" xmlns:dgm="http://schemas.openxmlformats.org/drawingml/2006/diagram" xmlns:dsp="http://schemas.microsoft.com/office/drawing/2008/diagram">
       <p:transition/>
     </mc:Fallback>
   </mc:AlternateContent>
@@ -13995,7 +13995,27 @@
                 <a:latin typeface="나눔스퀘어OTF" panose="020B0600000101010101" pitchFamily="34" charset="-127"/>
                 <a:ea typeface="나눔스퀘어OTF" panose="020B0600000101010101" pitchFamily="34" charset="-127"/>
               </a:rPr>
-              <a:t>현재 노이즈가 섞인 데이터에 대해 비교적 안정적인 재구성 성능을 보여주고 있음</a:t>
+              <a:t>노이즈가 섞인 데이터에 대해 비교적 </a:t>
+            </a:r>
+            <a:r>
+              <a:rPr lang="ko-KR" altLang="en-US" sz="2400" dirty="0">
+                <a:solidFill>
+                  <a:schemeClr val="bg1"/>
+                </a:solidFill>
+                <a:latin typeface="나눔스퀘어OTF ExtraBold" panose="020B0600000101010101" pitchFamily="34" charset="-127"/>
+                <a:ea typeface="나눔스퀘어OTF ExtraBold" panose="020B0600000101010101" pitchFamily="34" charset="-127"/>
+              </a:rPr>
+              <a:t>안정적인 재구성 성능</a:t>
+            </a:r>
+            <a:r>
+              <a:rPr lang="ko-KR" altLang="en-US" sz="2400" dirty="0">
+                <a:solidFill>
+                  <a:schemeClr val="bg1"/>
+                </a:solidFill>
+                <a:latin typeface="나눔스퀘어OTF" panose="020B0600000101010101" pitchFamily="34" charset="-127"/>
+                <a:ea typeface="나눔스퀘어OTF" panose="020B0600000101010101" pitchFamily="34" charset="-127"/>
+              </a:rPr>
+              <a:t>을 보여주고 있음</a:t>
             </a:r>
             <a:endParaRPr lang="en-US" altLang="ko-KR" sz="2400" dirty="0">
               <a:solidFill>
@@ -14054,7 +14074,27 @@
                 <a:latin typeface="나눔스퀘어OTF" panose="020B0600000101010101" pitchFamily="34" charset="-127"/>
                 <a:ea typeface="나눔스퀘어OTF" panose="020B0600000101010101" pitchFamily="34" charset="-127"/>
               </a:rPr>
-              <a:t>의 차이가 크지 않다는 점에서 높은 신뢰성을 보임</a:t>
+              <a:t>의 차이가 크지 않다는 점에서 </a:t>
+            </a:r>
+            <a:r>
+              <a:rPr lang="ko-KR" altLang="en-US" sz="2400" dirty="0">
+                <a:solidFill>
+                  <a:schemeClr val="bg1"/>
+                </a:solidFill>
+                <a:latin typeface="나눔스퀘어OTF ExtraBold" panose="020B0600000101010101" pitchFamily="34" charset="-127"/>
+                <a:ea typeface="나눔스퀘어OTF ExtraBold" panose="020B0600000101010101" pitchFamily="34" charset="-127"/>
+              </a:rPr>
+              <a:t>높은 신뢰성</a:t>
+            </a:r>
+            <a:r>
+              <a:rPr lang="ko-KR" altLang="en-US" sz="2400" dirty="0">
+                <a:solidFill>
+                  <a:schemeClr val="bg1"/>
+                </a:solidFill>
+                <a:latin typeface="나눔스퀘어OTF" panose="020B0600000101010101" pitchFamily="34" charset="-127"/>
+                <a:ea typeface="나눔스퀘어OTF" panose="020B0600000101010101" pitchFamily="34" charset="-127"/>
+              </a:rPr>
+              <a:t>을 보임</a:t>
             </a:r>
             <a:endParaRPr lang="en-US" sz="2400" b="0" i="0" u="none" strike="noStrike" dirty="0">
               <a:solidFill>

--- a/발표 자료/DECS_5차 발표 자료.pptx
+++ b/발표 자료/DECS_5차 발표 자료.pptx
@@ -15,8 +15,8 @@
     <p:sldId id="281" r:id="rId6"/>
     <p:sldId id="287" r:id="rId7"/>
     <p:sldId id="288" r:id="rId8"/>
-    <p:sldId id="283" r:id="rId9"/>
-    <p:sldId id="289" r:id="rId10"/>
+    <p:sldId id="289" r:id="rId9"/>
+    <p:sldId id="283" r:id="rId10"/>
     <p:sldId id="280" r:id="rId11"/>
     <p:sldId id="291" r:id="rId12"/>
     <p:sldId id="292" r:id="rId13"/>
@@ -2241,7 +2241,7 @@
           <a:p>
             <a:fld id="{FD2FE23F-0963-4EF6-B7CE-8CE978205759}" type="datetimeFigureOut">
               <a:rPr lang="ko-KR" altLang="en-US" smtClean="0"/>
-              <a:t>2024-10-17</a:t>
+              <a:t>2024-10-21</a:t>
             </a:fld>
             <a:endParaRPr lang="ko-KR" altLang="en-US"/>
           </a:p>
@@ -3226,7 +3226,7 @@
             <a:fld id="{1D8BD707-D9CF-40AE-B4C6-C98DA3205C09}" type="datetimeFigureOut">
               <a:rPr lang="en-US" smtClean="0"/>
               <a:pPr/>
-              <a:t>10/17/2024</a:t>
+              <a:t>10/21/2024</a:t>
             </a:fld>
             <a:endParaRPr lang="en-US"/>
           </a:p>
@@ -3391,7 +3391,7 @@
             <a:fld id="{1D8BD707-D9CF-40AE-B4C6-C98DA3205C09}" type="datetimeFigureOut">
               <a:rPr lang="en-US" smtClean="0"/>
               <a:pPr/>
-              <a:t>10/17/2024</a:t>
+              <a:t>10/21/2024</a:t>
             </a:fld>
             <a:endParaRPr lang="en-US"/>
           </a:p>
@@ -3566,7 +3566,7 @@
             <a:fld id="{1D8BD707-D9CF-40AE-B4C6-C98DA3205C09}" type="datetimeFigureOut">
               <a:rPr lang="en-US" smtClean="0"/>
               <a:pPr/>
-              <a:t>10/17/2024</a:t>
+              <a:t>10/21/2024</a:t>
             </a:fld>
             <a:endParaRPr lang="en-US"/>
           </a:p>
@@ -3731,7 +3731,7 @@
             <a:fld id="{1D8BD707-D9CF-40AE-B4C6-C98DA3205C09}" type="datetimeFigureOut">
               <a:rPr lang="en-US" smtClean="0"/>
               <a:pPr/>
-              <a:t>10/17/2024</a:t>
+              <a:t>10/21/2024</a:t>
             </a:fld>
             <a:endParaRPr lang="en-US"/>
           </a:p>
@@ -3973,7 +3973,7 @@
             <a:fld id="{1D8BD707-D9CF-40AE-B4C6-C98DA3205C09}" type="datetimeFigureOut">
               <a:rPr lang="en-US" smtClean="0"/>
               <a:pPr/>
-              <a:t>10/17/2024</a:t>
+              <a:t>10/21/2024</a:t>
             </a:fld>
             <a:endParaRPr lang="en-US"/>
           </a:p>
@@ -4255,7 +4255,7 @@
             <a:fld id="{1D8BD707-D9CF-40AE-B4C6-C98DA3205C09}" type="datetimeFigureOut">
               <a:rPr lang="en-US" smtClean="0"/>
               <a:pPr/>
-              <a:t>10/17/2024</a:t>
+              <a:t>10/21/2024</a:t>
             </a:fld>
             <a:endParaRPr lang="en-US"/>
           </a:p>
@@ -4671,7 +4671,7 @@
             <a:fld id="{1D8BD707-D9CF-40AE-B4C6-C98DA3205C09}" type="datetimeFigureOut">
               <a:rPr lang="en-US" smtClean="0"/>
               <a:pPr/>
-              <a:t>10/17/2024</a:t>
+              <a:t>10/21/2024</a:t>
             </a:fld>
             <a:endParaRPr lang="en-US"/>
           </a:p>
@@ -4785,7 +4785,7 @@
             <a:fld id="{1D8BD707-D9CF-40AE-B4C6-C98DA3205C09}" type="datetimeFigureOut">
               <a:rPr lang="en-US" smtClean="0"/>
               <a:pPr/>
-              <a:t>10/17/2024</a:t>
+              <a:t>10/21/2024</a:t>
             </a:fld>
             <a:endParaRPr lang="en-US"/>
           </a:p>
@@ -4877,7 +4877,7 @@
             <a:fld id="{1D8BD707-D9CF-40AE-B4C6-C98DA3205C09}" type="datetimeFigureOut">
               <a:rPr lang="en-US" smtClean="0"/>
               <a:pPr/>
-              <a:t>10/17/2024</a:t>
+              <a:t>10/21/2024</a:t>
             </a:fld>
             <a:endParaRPr lang="en-US"/>
           </a:p>
@@ -5149,7 +5149,7 @@
             <a:fld id="{1D8BD707-D9CF-40AE-B4C6-C98DA3205C09}" type="datetimeFigureOut">
               <a:rPr lang="en-US" smtClean="0"/>
               <a:pPr/>
-              <a:t>10/17/2024</a:t>
+              <a:t>10/21/2024</a:t>
             </a:fld>
             <a:endParaRPr lang="en-US"/>
           </a:p>
@@ -5398,7 +5398,7 @@
             <a:fld id="{1D8BD707-D9CF-40AE-B4C6-C98DA3205C09}" type="datetimeFigureOut">
               <a:rPr lang="en-US" smtClean="0"/>
               <a:pPr/>
-              <a:t>10/17/2024</a:t>
+              <a:t>10/21/2024</a:t>
             </a:fld>
             <a:endParaRPr lang="en-US"/>
           </a:p>
@@ -5607,7 +5607,7 @@
             <a:fld id="{1D8BD707-D9CF-40AE-B4C6-C98DA3205C09}" type="datetimeFigureOut">
               <a:rPr lang="en-US" smtClean="0"/>
               <a:pPr/>
-              <a:t>10/17/2024</a:t>
+              <a:t>10/21/2024</a:t>
             </a:fld>
             <a:endParaRPr lang="en-US" dirty="0"/>
           </a:p>
@@ -9250,7 +9250,7 @@
     <mc:Choice Requires="p14">
       <p:transition/>
     </mc:Choice>
-    <mc:Fallback xmlns:dsp="http://schemas.microsoft.com/office/drawing/2008/diagram" xmlns:dgm="http://schemas.openxmlformats.org/drawingml/2006/diagram" xmlns:c="http://schemas.openxmlformats.org/drawingml/2006/chart" xmlns="">
+    <mc:Fallback xmlns="" xmlns:c="http://schemas.openxmlformats.org/drawingml/2006/chart" xmlns:dgm="http://schemas.openxmlformats.org/drawingml/2006/diagram" xmlns:dsp="http://schemas.microsoft.com/office/drawing/2008/diagram">
       <p:transition/>
     </mc:Fallback>
   </mc:AlternateContent>
@@ -10072,7 +10072,7 @@
     <mc:Choice Requires="p14">
       <p:transition/>
     </mc:Choice>
-    <mc:Fallback xmlns:dsp="http://schemas.microsoft.com/office/drawing/2008/diagram" xmlns:dgm="http://schemas.openxmlformats.org/drawingml/2006/diagram" xmlns:c="http://schemas.openxmlformats.org/drawingml/2006/chart" xmlns="">
+    <mc:Fallback xmlns="" xmlns:c="http://schemas.openxmlformats.org/drawingml/2006/chart" xmlns:dgm="http://schemas.openxmlformats.org/drawingml/2006/diagram" xmlns:dsp="http://schemas.microsoft.com/office/drawing/2008/diagram">
       <p:transition/>
     </mc:Fallback>
   </mc:AlternateContent>
@@ -10704,7 +10704,7 @@
     <mc:Choice Requires="p14">
       <p:transition/>
     </mc:Choice>
-    <mc:Fallback xmlns="" xmlns:c="http://schemas.openxmlformats.org/drawingml/2006/chart" xmlns:dgm="http://schemas.openxmlformats.org/drawingml/2006/diagram" xmlns:dsp="http://schemas.microsoft.com/office/drawing/2008/diagram">
+    <mc:Fallback xmlns:dsp="http://schemas.microsoft.com/office/drawing/2008/diagram" xmlns:dgm="http://schemas.openxmlformats.org/drawingml/2006/diagram" xmlns:c="http://schemas.openxmlformats.org/drawingml/2006/chart" xmlns="">
       <p:transition/>
     </mc:Fallback>
   </mc:AlternateContent>
@@ -10714,6 +10714,14 @@
 <file path=ppt/slides/slide14.xml><?xml version="1.0" encoding="utf-8"?>
 <p:sld xmlns:a="http://schemas.openxmlformats.org/drawingml/2006/main" xmlns:r="http://schemas.openxmlformats.org/officeDocument/2006/relationships" xmlns:p="http://schemas.openxmlformats.org/presentationml/2006/main">
   <p:cSld>
+    <p:bg>
+      <p:bgPr>
+        <a:solidFill>
+          <a:srgbClr val="EBF4F7"/>
+        </a:solidFill>
+        <a:effectLst/>
+      </p:bgPr>
+    </p:bg>
     <p:spTree>
       <p:nvGrpSpPr>
         <p:cNvPr id="1" name=""/>
@@ -11913,7 +11921,7 @@
     <mc:Choice Requires="p14">
       <p:transition/>
     </mc:Choice>
-    <mc:Fallback xmlns="" xmlns:c="http://schemas.openxmlformats.org/drawingml/2006/chart" xmlns:dgm="http://schemas.openxmlformats.org/drawingml/2006/diagram" xmlns:dsp="http://schemas.microsoft.com/office/drawing/2008/diagram">
+    <mc:Fallback xmlns:dsp="http://schemas.microsoft.com/office/drawing/2008/diagram" xmlns:dgm="http://schemas.openxmlformats.org/drawingml/2006/diagram" xmlns:c="http://schemas.openxmlformats.org/drawingml/2006/chart" xmlns="">
       <p:transition/>
     </mc:Fallback>
   </mc:AlternateContent>
@@ -12879,153 +12887,84 @@
           </a:prstGeom>
         </p:spPr>
       </p:pic>
-      <p:grpSp>
-        <p:nvGrpSpPr>
-          <p:cNvPr id="21" name="그룹 20"/>
-          <p:cNvGrpSpPr/>
+      <p:pic>
+        <p:nvPicPr>
+          <p:cNvPr id="15" name="Picture 15"/>
+          <p:cNvPicPr>
+            <a:picLocks noChangeAspect="1"/>
+          </p:cNvPicPr>
           <p:nvPr/>
-        </p:nvGrpSpPr>
-        <p:grpSpPr>
+        </p:nvPicPr>
+        <p:blipFill rotWithShape="1">
+          <a:blip r:embed="rId8"/>
+          <a:stretch>
+            <a:fillRect/>
+          </a:stretch>
+        </p:blipFill>
+        <p:spPr>
           <a:xfrm>
             <a:off x="564596" y="2558143"/>
-            <a:ext cx="8069451" cy="6762018"/>
-            <a:chOff x="528449" y="2531117"/>
-            <a:chExt cx="8069451" cy="6762018"/>
+            <a:ext cx="7200900" cy="6762018"/>
           </a:xfrm>
-        </p:grpSpPr>
-        <p:grpSp>
-          <p:nvGrpSpPr>
-            <p:cNvPr id="10" name="그룹 9"/>
-            <p:cNvGrpSpPr/>
-            <p:nvPr/>
-          </p:nvGrpSpPr>
-          <p:grpSpPr>
-            <a:xfrm>
-              <a:off x="528449" y="2531117"/>
-              <a:ext cx="8069451" cy="6762018"/>
-              <a:chOff x="287149" y="2531117"/>
-              <a:chExt cx="8069451" cy="6762018"/>
-            </a:xfrm>
-          </p:grpSpPr>
-          <p:pic>
-            <p:nvPicPr>
-              <p:cNvPr id="15" name="Picture 15"/>
-              <p:cNvPicPr>
-                <a:picLocks noChangeAspect="1"/>
-              </p:cNvPicPr>
-              <p:nvPr/>
-            </p:nvPicPr>
-            <p:blipFill rotWithShape="1">
-              <a:blip r:embed="rId8"/>
-              <a:stretch>
-                <a:fillRect/>
-              </a:stretch>
-            </p:blipFill>
-            <p:spPr>
-              <a:xfrm>
-                <a:off x="287149" y="2531117"/>
-                <a:ext cx="7200900" cy="6762018"/>
-              </a:xfrm>
-              <a:prstGeom prst="rect">
-                <a:avLst/>
-              </a:prstGeom>
-            </p:spPr>
-          </p:pic>
-          <p:pic>
-            <p:nvPicPr>
-              <p:cNvPr id="16" name="Picture 16"/>
-              <p:cNvPicPr>
-                <a:picLocks noChangeAspect="1"/>
-              </p:cNvPicPr>
-              <p:nvPr/>
-            </p:nvPicPr>
-            <p:blipFill rotWithShape="1">
-              <a:blip r:embed="rId9"/>
-              <a:stretch>
-                <a:fillRect/>
-              </a:stretch>
-            </p:blipFill>
-            <p:spPr>
-              <a:xfrm>
-                <a:off x="7315200" y="5918200"/>
-                <a:ext cx="1041400" cy="165100"/>
-              </a:xfrm>
-              <a:prstGeom prst="rect">
-                <a:avLst/>
-              </a:prstGeom>
-            </p:spPr>
-          </p:pic>
-          <p:pic>
-            <p:nvPicPr>
-              <p:cNvPr id="17" name="그림 16"/>
-              <p:cNvPicPr>
-                <a:picLocks noChangeAspect="1"/>
-              </p:cNvPicPr>
-              <p:nvPr/>
-            </p:nvPicPr>
-            <p:blipFill>
-              <a:blip r:embed="rId10">
-                <a:extLst>
-                  <a:ext uri="{28A0092B-C50C-407E-A947-70E740481C1C}">
-                    <a14:useLocalDpi xmlns:a14="http://schemas.microsoft.com/office/drawing/2010/main" val="0"/>
-                  </a:ext>
-                </a:extLst>
-              </a:blip>
-              <a:srcRect/>
-              <a:stretch/>
-            </p:blipFill>
-            <p:spPr>
-              <a:xfrm>
-                <a:off x="777345" y="3014079"/>
-                <a:ext cx="6220508" cy="5474790"/>
-              </a:xfrm>
-              <a:prstGeom prst="rect">
-                <a:avLst/>
-              </a:prstGeom>
-            </p:spPr>
-          </p:pic>
-        </p:grpSp>
-        <p:sp>
-          <p:nvSpPr>
-            <p:cNvPr id="13" name="TextBox 12"/>
-            <p:cNvSpPr txBox="1"/>
-            <p:nvPr/>
-          </p:nvSpPr>
-          <p:spPr>
-            <a:xfrm>
-              <a:off x="1272382" y="8640000"/>
-              <a:ext cx="5562600" cy="463460"/>
-            </a:xfrm>
-            <a:prstGeom prst="rect">
-              <a:avLst/>
-            </a:prstGeom>
-            <a:noFill/>
-          </p:spPr>
-          <p:txBody>
-            <a:bodyPr wrap="square">
-              <a:spAutoFit/>
-            </a:bodyPr>
-            <a:lstStyle/>
-            <a:p>
-              <a:pPr lvl="0" algn="ctr">
-                <a:lnSpc>
-                  <a:spcPct val="130000"/>
-                </a:lnSpc>
-                <a:defRPr/>
-              </a:pPr>
-              <a:r>
-                <a:rPr lang="ko-KR" altLang="en-US" sz="2000" b="0" i="0" strike="noStrike">
-                  <a:solidFill>
-                    <a:schemeClr val="tx1">
-                      <a:alpha val="70200"/>
-                    </a:schemeClr>
-                  </a:solidFill>
-                  <a:latin typeface="나눔스퀘어OTF"/>
-                  <a:ea typeface="나눔스퀘어OTF"/>
-                </a:rPr>
-                <a:t>혼동 행렬</a:t>
-              </a:r>
-              <a:endParaRPr lang="en-US" altLang="ko-KR" sz="2000" b="0" i="0" strike="noStrike">
+          <a:prstGeom prst="rect">
+            <a:avLst/>
+          </a:prstGeom>
+        </p:spPr>
+      </p:pic>
+      <p:pic>
+        <p:nvPicPr>
+          <p:cNvPr id="16" name="Picture 16"/>
+          <p:cNvPicPr>
+            <a:picLocks noChangeAspect="1"/>
+          </p:cNvPicPr>
+          <p:nvPr/>
+        </p:nvPicPr>
+        <p:blipFill rotWithShape="1">
+          <a:blip r:embed="rId9"/>
+          <a:stretch>
+            <a:fillRect/>
+          </a:stretch>
+        </p:blipFill>
+        <p:spPr>
+          <a:xfrm>
+            <a:off x="7592647" y="5945226"/>
+            <a:ext cx="1041400" cy="165100"/>
+          </a:xfrm>
+          <a:prstGeom prst="rect">
+            <a:avLst/>
+          </a:prstGeom>
+        </p:spPr>
+      </p:pic>
+      <p:sp>
+        <p:nvSpPr>
+          <p:cNvPr id="13" name="TextBox 12"/>
+          <p:cNvSpPr txBox="1"/>
+          <p:nvPr/>
+        </p:nvSpPr>
+        <p:spPr>
+          <a:xfrm>
+            <a:off x="1308529" y="8667026"/>
+            <a:ext cx="5562600" cy="463460"/>
+          </a:xfrm>
+          <a:prstGeom prst="rect">
+            <a:avLst/>
+          </a:prstGeom>
+          <a:noFill/>
+        </p:spPr>
+        <p:txBody>
+          <a:bodyPr wrap="square">
+            <a:spAutoFit/>
+          </a:bodyPr>
+          <a:lstStyle/>
+          <a:p>
+            <a:pPr lvl="0" algn="ctr">
+              <a:lnSpc>
+                <a:spcPct val="130000"/>
+              </a:lnSpc>
+              <a:defRPr/>
+            </a:pPr>
+            <a:r>
+              <a:rPr lang="ko-KR" altLang="en-US" sz="2000" b="0" i="0" strike="noStrike">
                 <a:solidFill>
                   <a:schemeClr val="tx1">
                     <a:alpha val="70200"/>
@@ -13033,11 +12972,21 @@
                 </a:solidFill>
                 <a:latin typeface="나눔스퀘어OTF"/>
                 <a:ea typeface="나눔스퀘어OTF"/>
-              </a:endParaRPr>
-            </a:p>
-          </p:txBody>
-        </p:sp>
-      </p:grpSp>
+              </a:rPr>
+              <a:t>혼동 행렬</a:t>
+            </a:r>
+            <a:endParaRPr lang="en-US" altLang="ko-KR" sz="2000" b="0" i="0" strike="noStrike">
+              <a:solidFill>
+                <a:schemeClr val="tx1">
+                  <a:alpha val="70200"/>
+                </a:schemeClr>
+              </a:solidFill>
+              <a:latin typeface="나눔스퀘어OTF"/>
+              <a:ea typeface="나눔스퀘어OTF"/>
+            </a:endParaRPr>
+          </a:p>
+        </p:txBody>
+      </p:sp>
       <p:pic>
         <p:nvPicPr>
           <p:cNvPr id="31" name="그림 30">
@@ -13053,7 +13002,7 @@
           <p:nvPr/>
         </p:nvPicPr>
         <p:blipFill>
-          <a:blip r:embed="rId11"/>
+          <a:blip r:embed="rId10"/>
           <a:stretch>
             <a:fillRect/>
           </a:stretch>
@@ -13083,7 +13032,7 @@
           <p:nvPr/>
         </p:nvPicPr>
         <p:blipFill>
-          <a:blip r:embed="rId12"/>
+          <a:blip r:embed="rId11"/>
           <a:stretch>
             <a:fillRect/>
           </a:stretch>
@@ -13113,7 +13062,7 @@
           <p:nvPr/>
         </p:nvPicPr>
         <p:blipFill>
-          <a:blip r:embed="rId13"/>
+          <a:blip r:embed="rId12"/>
           <a:stretch>
             <a:fillRect/>
           </a:stretch>
@@ -13137,7 +13086,7 @@
           <p:nvPr/>
         </p:nvPicPr>
         <p:blipFill rotWithShape="1">
-          <a:blip r:embed="rId14"/>
+          <a:blip r:embed="rId13"/>
           <a:stretch>
             <a:fillRect/>
           </a:stretch>
@@ -13189,6 +13138,42 @@
           </a:p>
         </p:txBody>
       </p:sp>
+      <p:pic>
+        <p:nvPicPr>
+          <p:cNvPr id="9" name="그림 8" descr="텍스트, 스크린샷, 도표, 직사각형이(가) 표시된 사진">
+            <a:extLst>
+              <a:ext uri="{FF2B5EF4-FFF2-40B4-BE49-F238E27FC236}">
+                <a16:creationId xmlns:a16="http://schemas.microsoft.com/office/drawing/2014/main" id="{35E5DBD0-EC94-F0BA-2E2D-A5C64B3C8076}"/>
+              </a:ext>
+            </a:extLst>
+          </p:cNvPr>
+          <p:cNvPicPr preferRelativeResize="0">
+            <a:picLocks/>
+          </p:cNvPicPr>
+          <p:nvPr/>
+        </p:nvPicPr>
+        <p:blipFill>
+          <a:blip r:embed="rId14">
+            <a:extLst>
+              <a:ext uri="{28A0092B-C50C-407E-A947-70E740481C1C}">
+                <a14:useLocalDpi xmlns:a14="http://schemas.microsoft.com/office/drawing/2010/main" val="0"/>
+              </a:ext>
+            </a:extLst>
+          </a:blip>
+          <a:stretch>
+            <a:fillRect/>
+          </a:stretch>
+        </p:blipFill>
+        <p:spPr>
+          <a:xfrm>
+            <a:off x="1054800" y="3042000"/>
+            <a:ext cx="6220800" cy="5475600"/>
+          </a:xfrm>
+          <a:prstGeom prst="rect">
+            <a:avLst/>
+          </a:prstGeom>
+        </p:spPr>
+      </p:pic>
     </p:spTree>
   </p:cSld>
   <p:clrMapOvr>
@@ -13198,7 +13183,7 @@
     <mc:Choice Requires="p14">
       <p:transition/>
     </mc:Choice>
-    <mc:Fallback xmlns="" xmlns:c="http://schemas.openxmlformats.org/drawingml/2006/chart" xmlns:dgm="http://schemas.openxmlformats.org/drawingml/2006/diagram" xmlns:dsp="http://schemas.microsoft.com/office/drawing/2008/diagram">
+    <mc:Fallback xmlns:dsp="http://schemas.microsoft.com/office/drawing/2008/diagram" xmlns:dgm="http://schemas.openxmlformats.org/drawingml/2006/diagram" xmlns:c="http://schemas.openxmlformats.org/drawingml/2006/chart" xmlns="">
       <p:transition/>
     </mc:Fallback>
   </mc:AlternateContent>
@@ -13293,106 +13278,6 @@
           </a:prstGeom>
         </p:spPr>
       </p:pic>
-      <p:sp>
-        <p:nvSpPr>
-          <p:cNvPr id="9" name="TextBox 9"/>
-          <p:cNvSpPr txBox="1"/>
-          <p:nvPr/>
-        </p:nvSpPr>
-        <p:spPr>
-          <a:xfrm>
-            <a:off x="3794125" y="6470651"/>
-            <a:ext cx="3371850" cy="491066"/>
-          </a:xfrm>
-          <a:prstGeom prst="rect">
-            <a:avLst/>
-          </a:prstGeom>
-        </p:spPr>
-        <p:txBody>
-          <a:bodyPr lIns="0" tIns="0" rIns="0" bIns="0" rtlCol="0" anchor="ctr"/>
-          <a:lstStyle/>
-          <a:p>
-            <a:pPr lvl="0" algn="l">
-              <a:lnSpc>
-                <a:spcPct val="107899"/>
-              </a:lnSpc>
-            </a:pPr>
-            <a:r>
-              <a:rPr lang="ko-KR" altLang="en-US" sz="2200" dirty="0">
-                <a:solidFill>
-                  <a:srgbClr val="4FA8CA"/>
-                </a:solidFill>
-                <a:highlight>
-                  <a:srgbClr val="F7FBFD"/>
-                </a:highlight>
-                <a:latin typeface="나눔스퀘어OTF Bold" panose="020B0600000101010101" pitchFamily="34" charset="-127"/>
-                <a:ea typeface="나눔스퀘어OTF Bold" panose="020B0600000101010101" pitchFamily="34" charset="-127"/>
-              </a:rPr>
-              <a:t>원본 파일과 노이즈 섞인 파일</a:t>
-            </a:r>
-            <a:endParaRPr lang="ko-KR" sz="2200" b="0" i="0" u="none" strike="noStrike" dirty="0">
-              <a:solidFill>
-                <a:srgbClr val="4FA8CA"/>
-              </a:solidFill>
-              <a:highlight>
-                <a:srgbClr val="F7FBFD"/>
-              </a:highlight>
-              <a:latin typeface="나눔스퀘어OTF Bold" panose="020B0600000101010101" pitchFamily="34" charset="-127"/>
-              <a:ea typeface="나눔스퀘어OTF Bold" panose="020B0600000101010101" pitchFamily="34" charset="-127"/>
-            </a:endParaRPr>
-          </a:p>
-        </p:txBody>
-      </p:sp>
-      <p:sp>
-        <p:nvSpPr>
-          <p:cNvPr id="12" name="TextBox 12"/>
-          <p:cNvSpPr txBox="1"/>
-          <p:nvPr/>
-        </p:nvSpPr>
-        <p:spPr>
-          <a:xfrm>
-            <a:off x="10941050" y="6470649"/>
-            <a:ext cx="3581400" cy="491067"/>
-          </a:xfrm>
-          <a:prstGeom prst="rect">
-            <a:avLst/>
-          </a:prstGeom>
-        </p:spPr>
-        <p:txBody>
-          <a:bodyPr lIns="0" tIns="0" rIns="0" bIns="0" rtlCol="0" anchor="ctr"/>
-          <a:lstStyle/>
-          <a:p>
-            <a:pPr lvl="0" algn="l">
-              <a:lnSpc>
-                <a:spcPct val="107899"/>
-              </a:lnSpc>
-            </a:pPr>
-            <a:r>
-              <a:rPr lang="ko-KR" altLang="en-US" sz="2200" b="0" i="0" u="none" strike="noStrike" dirty="0">
-                <a:solidFill>
-                  <a:srgbClr val="4FA8CA"/>
-                </a:solidFill>
-                <a:highlight>
-                  <a:srgbClr val="F7FBFD"/>
-                </a:highlight>
-                <a:latin typeface="나눔스퀘어OTF Bold" panose="020B0600000101010101" pitchFamily="34" charset="-127"/>
-                <a:ea typeface="나눔스퀘어OTF Bold" panose="020B0600000101010101" pitchFamily="34" charset="-127"/>
-              </a:rPr>
-              <a:t>재구성 파일과 노이즈 섞인 파일</a:t>
-            </a:r>
-            <a:endParaRPr lang="ko-KR" sz="2200" b="0" i="0" u="none" strike="noStrike" dirty="0">
-              <a:solidFill>
-                <a:srgbClr val="4FA8CA"/>
-              </a:solidFill>
-              <a:highlight>
-                <a:srgbClr val="F7FBFD"/>
-              </a:highlight>
-              <a:latin typeface="나눔스퀘어OTF Bold" panose="020B0600000101010101" pitchFamily="34" charset="-127"/>
-              <a:ea typeface="나눔스퀘어OTF Bold" panose="020B0600000101010101" pitchFamily="34" charset="-127"/>
-            </a:endParaRPr>
-          </a:p>
-        </p:txBody>
-      </p:sp>
       <p:pic>
         <p:nvPicPr>
           <p:cNvPr id="13" name="Picture 13"/>
@@ -13634,7 +13519,7 @@
         </p:blipFill>
         <p:spPr>
           <a:xfrm>
-            <a:off x="3683000" y="7734300"/>
+            <a:off x="3683000" y="7353300"/>
             <a:ext cx="10922000" cy="1506250"/>
           </a:xfrm>
           <a:prstGeom prst="rect">
@@ -13664,7 +13549,7 @@
         </p:blipFill>
         <p:spPr>
           <a:xfrm>
-            <a:off x="3441700" y="8267700"/>
+            <a:off x="3441700" y="7886700"/>
             <a:ext cx="444500" cy="444500"/>
           </a:xfrm>
           <a:prstGeom prst="rect">
@@ -13966,7 +13851,7 @@
         </p:nvSpPr>
         <p:spPr>
           <a:xfrm>
-            <a:off x="4025900" y="8089900"/>
+            <a:off x="4025900" y="7708900"/>
             <a:ext cx="10375900" cy="711200"/>
           </a:xfrm>
           <a:prstGeom prst="rect">
@@ -16435,7 +16320,7 @@
                 <a:latin typeface="나눔스퀘어OTF" panose="020B0600000101010101" pitchFamily="34" charset="-127"/>
                 <a:ea typeface="나눔스퀘어OTF" panose="020B0600000101010101" pitchFamily="34" charset="-127"/>
               </a:rPr>
-              <a:t>함정 및</a:t>
+              <a:t>네트워크 통신 환경</a:t>
             </a:r>
             <a:r>
               <a:rPr lang="ko-KR" altLang="en-US" sz="2400" b="0" i="0" dirty="0">
@@ -16443,7 +16328,7 @@
                 <a:latin typeface="나눔스퀘어OTF" panose="020B0600000101010101" pitchFamily="34" charset="-127"/>
                 <a:ea typeface="나눔스퀘어OTF" panose="020B0600000101010101" pitchFamily="34" charset="-127"/>
               </a:rPr>
-              <a:t> 잠수함에서는 </a:t>
+              <a:t>에서는 </a:t>
             </a:r>
             <a:r>
               <a:rPr lang="ko-KR" altLang="en-US" sz="2400" i="0" dirty="0">
@@ -16617,7 +16502,7 @@
                 <a:latin typeface="나눔스퀘어OTF" panose="020B0600000101010101" pitchFamily="34" charset="-127"/>
                 <a:ea typeface="나눔스퀘어OTF" panose="020B0600000101010101" pitchFamily="34" charset="-127"/>
               </a:rPr>
-              <a:t>함정 내에서 정확하고 안정적인 통신 시스템이 이루어지지 않으면 </a:t>
+              <a:t>정확하고 안정적인 통신 시스템이 이루어지지 않으면 </a:t>
             </a:r>
             <a:r>
               <a:rPr lang="ko-KR" altLang="en-US" sz="2400" i="0" dirty="0">
@@ -22241,7 +22126,7 @@
                     <a:latin typeface="나눔스퀘어OTF" panose="020B0600000101010101" pitchFamily="34" charset="-127"/>
                     <a:ea typeface="나눔스퀘어OTF" panose="020B0600000101010101" pitchFamily="34" charset="-127"/>
                   </a:rPr>
-                  <a:t>패킷 전송 시 발생할</a:t>
+                  <a:t>패킷 송신 시 발생할</a:t>
                 </a:r>
                 <a:r>
                   <a:rPr kumimoji="1" lang="ko-KR" altLang="en-US" sz="2400" dirty="0">
@@ -22429,7 +22314,7 @@
                     <a:latin typeface="나눔스퀘어OTF" panose="020B0600000101010101" pitchFamily="34" charset="-127"/>
                     <a:ea typeface="나눔스퀘어OTF" panose="020B0600000101010101" pitchFamily="34" charset="-127"/>
                   </a:rPr>
-                  <a:t>소켓을 통해 데이터를 패킷 단위로 전송</a:t>
+                  <a:t>소켓을 통해 데이터를 패킷 단위로 분할해서 전송</a:t>
                 </a:r>
                 <a:endParaRPr kumimoji="1" lang="ko-KR" altLang="en-US" sz="2400" dirty="0">
                   <a:latin typeface="나눔스퀘어OTF" panose="020B0600000101010101" pitchFamily="34" charset="-127"/>
@@ -25233,7 +25118,7 @@
                     <a:latin typeface="나눔스퀘어OTF" panose="020B0600000101010101" pitchFamily="34" charset="-127"/>
                     <a:ea typeface="나눔스퀘어OTF" panose="020B0600000101010101" pitchFamily="34" charset="-127"/>
                   </a:rPr>
-                  <a:t>패킷 전송 시 발생할</a:t>
+                  <a:t>패킷 수신 시 발생할</a:t>
                 </a:r>
                 <a:r>
                   <a:rPr kumimoji="1" lang="ko-KR" altLang="en-US" sz="2400" dirty="0">
@@ -25515,6 +25400,530 @@
           </a:prstGeom>
         </p:spPr>
       </p:pic>
+      <p:pic>
+        <p:nvPicPr>
+          <p:cNvPr id="12" name="그림 11" descr="그래프, 라인, 도표이(가) 표시된 사진&#10;&#10;자동 생성된 설명">
+            <a:extLst>
+              <a:ext uri="{FF2B5EF4-FFF2-40B4-BE49-F238E27FC236}">
+                <a16:creationId xmlns:a16="http://schemas.microsoft.com/office/drawing/2014/main" id="{8EFAAE36-DD4E-6689-CABB-01CBA5B14F6E}"/>
+              </a:ext>
+            </a:extLst>
+          </p:cNvPr>
+          <p:cNvPicPr>
+            <a:picLocks noChangeAspect="1"/>
+          </p:cNvPicPr>
+          <p:nvPr/>
+        </p:nvPicPr>
+        <p:blipFill>
+          <a:blip r:embed="rId3">
+            <a:extLst>
+              <a:ext uri="{28A0092B-C50C-407E-A947-70E740481C1C}">
+                <a14:useLocalDpi xmlns:a14="http://schemas.microsoft.com/office/drawing/2010/main" val="0"/>
+              </a:ext>
+            </a:extLst>
+          </a:blip>
+          <a:stretch>
+            <a:fillRect/>
+          </a:stretch>
+        </p:blipFill>
+        <p:spPr>
+          <a:xfrm>
+            <a:off x="1051294" y="2603905"/>
+            <a:ext cx="16185411" cy="6381345"/>
+          </a:xfrm>
+          <a:prstGeom prst="rect">
+            <a:avLst/>
+          </a:prstGeom>
+        </p:spPr>
+      </p:pic>
+      <p:grpSp>
+        <p:nvGrpSpPr>
+          <p:cNvPr id="3" name="Group 3"/>
+          <p:cNvGrpSpPr/>
+          <p:nvPr/>
+        </p:nvGrpSpPr>
+        <p:grpSpPr>
+          <a:xfrm>
+            <a:off x="2147483647" y="2147483647"/>
+            <a:ext cx="2147483647" cy="2147483647"/>
+            <a:chOff x="0" y="0"/>
+            <a:chExt cx="0" cy="0"/>
+          </a:xfrm>
+        </p:grpSpPr>
+      </p:grpSp>
+      <p:pic>
+        <p:nvPicPr>
+          <p:cNvPr id="4" name="Picture 4"/>
+          <p:cNvPicPr>
+            <a:picLocks noChangeAspect="1"/>
+          </p:cNvPicPr>
+          <p:nvPr/>
+        </p:nvPicPr>
+        <p:blipFill>
+          <a:blip r:embed="rId4"/>
+          <a:stretch>
+            <a:fillRect/>
+          </a:stretch>
+        </p:blipFill>
+        <p:spPr>
+          <a:xfrm>
+            <a:off x="8509000" y="9372600"/>
+            <a:ext cx="1295400" cy="1092200"/>
+          </a:xfrm>
+          <a:prstGeom prst="rect">
+            <a:avLst/>
+          </a:prstGeom>
+        </p:spPr>
+      </p:pic>
+      <p:sp>
+        <p:nvSpPr>
+          <p:cNvPr id="5" name="TextBox 5"/>
+          <p:cNvSpPr txBox="1"/>
+          <p:nvPr/>
+        </p:nvSpPr>
+        <p:spPr>
+          <a:xfrm>
+            <a:off x="8750300" y="9575800"/>
+            <a:ext cx="787400" cy="317500"/>
+          </a:xfrm>
+          <a:prstGeom prst="rect">
+            <a:avLst/>
+          </a:prstGeom>
+        </p:spPr>
+        <p:txBody>
+          <a:bodyPr lIns="0" tIns="0" rIns="0" bIns="0" rtlCol="0" anchor="ctr"/>
+          <a:lstStyle/>
+          <a:p>
+            <a:pPr lvl="0" algn="ctr">
+              <a:lnSpc>
+                <a:spcPct val="120000"/>
+              </a:lnSpc>
+            </a:pPr>
+            <a:r>
+              <a:rPr lang="en-US" sz="1800" b="0" i="0" u="none" strike="noStrike" dirty="0">
+                <a:solidFill>
+                  <a:srgbClr val="4FA8CA"/>
+                </a:solidFill>
+                <a:latin typeface="나눔스퀘어OTF" panose="020B0600000101010101" pitchFamily="34" charset="-127"/>
+              </a:rPr>
+              <a:t>0</a:t>
+            </a:r>
+            <a:r>
+              <a:rPr lang="en-US" dirty="0">
+                <a:solidFill>
+                  <a:srgbClr val="4FA8CA"/>
+                </a:solidFill>
+                <a:latin typeface="나눔스퀘어OTF" panose="020B0600000101010101" pitchFamily="34" charset="-127"/>
+              </a:rPr>
+              <a:t>8</a:t>
+            </a:r>
+            <a:endParaRPr lang="en-US" sz="1800" b="0" i="0" u="none" strike="noStrike" dirty="0">
+              <a:solidFill>
+                <a:srgbClr val="4FA8CA"/>
+              </a:solidFill>
+              <a:latin typeface="나눔스퀘어OTF" panose="020B0600000101010101" pitchFamily="34" charset="-127"/>
+            </a:endParaRPr>
+          </a:p>
+        </p:txBody>
+      </p:sp>
+      <p:pic>
+        <p:nvPicPr>
+          <p:cNvPr id="6" name="Picture 6"/>
+          <p:cNvPicPr>
+            <a:picLocks noChangeAspect="1"/>
+          </p:cNvPicPr>
+          <p:nvPr/>
+        </p:nvPicPr>
+        <p:blipFill>
+          <a:blip r:embed="rId5"/>
+          <a:stretch>
+            <a:fillRect/>
+          </a:stretch>
+        </p:blipFill>
+        <p:spPr>
+          <a:xfrm>
+            <a:off x="6553200" y="1778000"/>
+            <a:ext cx="5181600" cy="558800"/>
+          </a:xfrm>
+          <a:prstGeom prst="rect">
+            <a:avLst/>
+          </a:prstGeom>
+        </p:spPr>
+      </p:pic>
+      <p:sp>
+        <p:nvSpPr>
+          <p:cNvPr id="7" name="TextBox 7"/>
+          <p:cNvSpPr txBox="1"/>
+          <p:nvPr/>
+        </p:nvSpPr>
+        <p:spPr>
+          <a:xfrm>
+            <a:off x="14478000" y="762000"/>
+            <a:ext cx="3022600" cy="304800"/>
+          </a:xfrm>
+          <a:prstGeom prst="rect">
+            <a:avLst/>
+          </a:prstGeom>
+        </p:spPr>
+        <p:txBody>
+          <a:bodyPr lIns="0" tIns="0" rIns="0" bIns="0" rtlCol="0" anchor="ctr"/>
+          <a:lstStyle/>
+          <a:p>
+            <a:pPr lvl="0" algn="r">
+              <a:lnSpc>
+                <a:spcPct val="120000"/>
+              </a:lnSpc>
+            </a:pPr>
+            <a:r>
+              <a:rPr lang="en-US" sz="1700" b="0" i="0" u="none" strike="noStrike" spc="200" dirty="0">
+                <a:solidFill>
+                  <a:srgbClr val="4FA8CA"/>
+                </a:solidFill>
+                <a:latin typeface="나눔스퀘어OTF" panose="020B0600000101010101" pitchFamily="34" charset="-127"/>
+              </a:rPr>
+              <a:t>DECS</a:t>
+            </a:r>
+          </a:p>
+        </p:txBody>
+      </p:sp>
+      <p:pic>
+        <p:nvPicPr>
+          <p:cNvPr id="8" name="Picture 8"/>
+          <p:cNvPicPr>
+            <a:picLocks noChangeAspect="1"/>
+          </p:cNvPicPr>
+          <p:nvPr/>
+        </p:nvPicPr>
+        <p:blipFill>
+          <a:blip r:embed="rId6"/>
+          <a:stretch>
+            <a:fillRect/>
+          </a:stretch>
+        </p:blipFill>
+        <p:spPr>
+          <a:xfrm>
+            <a:off x="6070600" y="-25400"/>
+            <a:ext cx="6159500" cy="838200"/>
+          </a:xfrm>
+          <a:prstGeom prst="rect">
+            <a:avLst/>
+          </a:prstGeom>
+        </p:spPr>
+      </p:pic>
+      <p:sp>
+        <p:nvSpPr>
+          <p:cNvPr id="26" name="TextBox 26"/>
+          <p:cNvSpPr txBox="1"/>
+          <p:nvPr/>
+        </p:nvSpPr>
+        <p:spPr>
+          <a:xfrm>
+            <a:off x="6864350" y="1524000"/>
+            <a:ext cx="4559300" cy="1066800"/>
+          </a:xfrm>
+          <a:prstGeom prst="rect">
+            <a:avLst/>
+          </a:prstGeom>
+        </p:spPr>
+        <p:txBody>
+          <a:bodyPr lIns="0" tIns="0" rIns="0" bIns="0" rtlCol="0" anchor="ctr"/>
+          <a:lstStyle/>
+          <a:p>
+            <a:pPr lvl="0" algn="ctr">
+              <a:lnSpc>
+                <a:spcPct val="120000"/>
+              </a:lnSpc>
+            </a:pPr>
+            <a:r>
+              <a:rPr lang="ko-KR" altLang="en-US" sz="6000" b="0" i="0" u="none" strike="noStrike" dirty="0">
+                <a:solidFill>
+                  <a:srgbClr val="4FA8CA"/>
+                </a:solidFill>
+                <a:latin typeface="나눔스퀘어OTF Bold" panose="020B0600000101010101" pitchFamily="34" charset="-127"/>
+                <a:ea typeface="나눔스퀘어OTF Bold" panose="020B0600000101010101" pitchFamily="34" charset="-127"/>
+              </a:rPr>
+              <a:t>웨이브폼</a:t>
+            </a:r>
+            <a:endParaRPr lang="en-US" sz="6000" b="0" i="0" u="none" strike="noStrike" dirty="0">
+              <a:solidFill>
+                <a:srgbClr val="4FA8CA"/>
+              </a:solidFill>
+              <a:latin typeface="나눔스퀘어OTF Bold" panose="020B0600000101010101" pitchFamily="34" charset="-127"/>
+              <a:ea typeface="나눔스퀘어OTF Bold" panose="020B0600000101010101" pitchFamily="34" charset="-127"/>
+            </a:endParaRPr>
+          </a:p>
+        </p:txBody>
+      </p:sp>
+      <p:sp>
+        <p:nvSpPr>
+          <p:cNvPr id="11" name="직사각형 10">
+            <a:extLst>
+              <a:ext uri="{FF2B5EF4-FFF2-40B4-BE49-F238E27FC236}">
+                <a16:creationId xmlns:a16="http://schemas.microsoft.com/office/drawing/2014/main" id="{BB451482-66A1-9801-BEF9-CE0B5E4DC958}"/>
+              </a:ext>
+            </a:extLst>
+          </p:cNvPr>
+          <p:cNvSpPr/>
+          <p:nvPr/>
+        </p:nvSpPr>
+        <p:spPr>
+          <a:xfrm>
+            <a:off x="8153400" y="2880000"/>
+            <a:ext cx="2514600" cy="2488300"/>
+          </a:xfrm>
+          <a:prstGeom prst="rect">
+            <a:avLst/>
+          </a:prstGeom>
+          <a:noFill/>
+          <a:ln w="63500">
+            <a:solidFill>
+              <a:srgbClr val="FF0000"/>
+            </a:solidFill>
+          </a:ln>
+        </p:spPr>
+        <p:style>
+          <a:lnRef idx="2">
+            <a:schemeClr val="accent1">
+              <a:shade val="15000"/>
+            </a:schemeClr>
+          </a:lnRef>
+          <a:fillRef idx="1">
+            <a:schemeClr val="accent1"/>
+          </a:fillRef>
+          <a:effectRef idx="0">
+            <a:schemeClr val="accent1"/>
+          </a:effectRef>
+          <a:fontRef idx="minor">
+            <a:schemeClr val="lt1"/>
+          </a:fontRef>
+        </p:style>
+        <p:txBody>
+          <a:bodyPr rtlCol="0" anchor="ctr"/>
+          <a:lstStyle/>
+          <a:p>
+            <a:pPr algn="ctr"/>
+            <a:endParaRPr lang="ko-KR" altLang="en-US" dirty="0"/>
+          </a:p>
+        </p:txBody>
+      </p:sp>
+      <p:sp>
+        <p:nvSpPr>
+          <p:cNvPr id="14" name="직사각형 13">
+            <a:extLst>
+              <a:ext uri="{FF2B5EF4-FFF2-40B4-BE49-F238E27FC236}">
+                <a16:creationId xmlns:a16="http://schemas.microsoft.com/office/drawing/2014/main" id="{C74B8061-F2B7-EFDB-8DC6-96E12F3CB292}"/>
+              </a:ext>
+            </a:extLst>
+          </p:cNvPr>
+          <p:cNvSpPr/>
+          <p:nvPr/>
+        </p:nvSpPr>
+        <p:spPr>
+          <a:xfrm>
+            <a:off x="8153400" y="6048000"/>
+            <a:ext cx="2108199" cy="2488300"/>
+          </a:xfrm>
+          <a:prstGeom prst="rect">
+            <a:avLst/>
+          </a:prstGeom>
+          <a:noFill/>
+          <a:ln w="63500">
+            <a:solidFill>
+              <a:srgbClr val="FF0000"/>
+            </a:solidFill>
+          </a:ln>
+        </p:spPr>
+        <p:style>
+          <a:lnRef idx="2">
+            <a:schemeClr val="accent1">
+              <a:shade val="15000"/>
+            </a:schemeClr>
+          </a:lnRef>
+          <a:fillRef idx="1">
+            <a:schemeClr val="accent1"/>
+          </a:fillRef>
+          <a:effectRef idx="0">
+            <a:schemeClr val="accent1"/>
+          </a:effectRef>
+          <a:fontRef idx="minor">
+            <a:schemeClr val="lt1"/>
+          </a:fontRef>
+        </p:style>
+        <p:txBody>
+          <a:bodyPr rtlCol="0" anchor="ctr"/>
+          <a:lstStyle/>
+          <a:p>
+            <a:pPr algn="ctr"/>
+            <a:endParaRPr lang="ko-KR" altLang="en-US"/>
+          </a:p>
+        </p:txBody>
+      </p:sp>
+      <p:sp>
+        <p:nvSpPr>
+          <p:cNvPr id="17" name="직사각형 16">
+            <a:extLst>
+              <a:ext uri="{FF2B5EF4-FFF2-40B4-BE49-F238E27FC236}">
+                <a16:creationId xmlns:a16="http://schemas.microsoft.com/office/drawing/2014/main" id="{68BCAB63-CE43-D719-5363-745BD8A11029}"/>
+              </a:ext>
+            </a:extLst>
+          </p:cNvPr>
+          <p:cNvSpPr/>
+          <p:nvPr/>
+        </p:nvSpPr>
+        <p:spPr>
+          <a:xfrm>
+            <a:off x="15316200" y="2880000"/>
+            <a:ext cx="1219200" cy="2488300"/>
+          </a:xfrm>
+          <a:prstGeom prst="rect">
+            <a:avLst/>
+          </a:prstGeom>
+          <a:noFill/>
+          <a:ln w="63500">
+            <a:solidFill>
+              <a:srgbClr val="FF0000"/>
+            </a:solidFill>
+          </a:ln>
+        </p:spPr>
+        <p:style>
+          <a:lnRef idx="2">
+            <a:schemeClr val="accent1">
+              <a:shade val="15000"/>
+            </a:schemeClr>
+          </a:lnRef>
+          <a:fillRef idx="1">
+            <a:schemeClr val="accent1"/>
+          </a:fillRef>
+          <a:effectRef idx="0">
+            <a:schemeClr val="accent1"/>
+          </a:effectRef>
+          <a:fontRef idx="minor">
+            <a:schemeClr val="lt1"/>
+          </a:fontRef>
+        </p:style>
+        <p:txBody>
+          <a:bodyPr rtlCol="0" anchor="ctr"/>
+          <a:lstStyle/>
+          <a:p>
+            <a:pPr algn="ctr"/>
+            <a:endParaRPr lang="ko-KR" altLang="en-US" dirty="0"/>
+          </a:p>
+        </p:txBody>
+      </p:sp>
+      <p:sp>
+        <p:nvSpPr>
+          <p:cNvPr id="18" name="직사각형 17">
+            <a:extLst>
+              <a:ext uri="{FF2B5EF4-FFF2-40B4-BE49-F238E27FC236}">
+                <a16:creationId xmlns:a16="http://schemas.microsoft.com/office/drawing/2014/main" id="{9D357B30-30CC-CC45-B405-DD356F665826}"/>
+              </a:ext>
+            </a:extLst>
+          </p:cNvPr>
+          <p:cNvSpPr/>
+          <p:nvPr/>
+        </p:nvSpPr>
+        <p:spPr>
+          <a:xfrm>
+            <a:off x="14935200" y="6048000"/>
+            <a:ext cx="1752600" cy="2488300"/>
+          </a:xfrm>
+          <a:prstGeom prst="rect">
+            <a:avLst/>
+          </a:prstGeom>
+          <a:noFill/>
+          <a:ln w="63500">
+            <a:solidFill>
+              <a:srgbClr val="FF0000"/>
+            </a:solidFill>
+          </a:ln>
+        </p:spPr>
+        <p:style>
+          <a:lnRef idx="2">
+            <a:schemeClr val="accent1">
+              <a:shade val="15000"/>
+            </a:schemeClr>
+          </a:lnRef>
+          <a:fillRef idx="1">
+            <a:schemeClr val="accent1"/>
+          </a:fillRef>
+          <a:effectRef idx="0">
+            <a:schemeClr val="accent1"/>
+          </a:effectRef>
+          <a:fontRef idx="minor">
+            <a:schemeClr val="lt1"/>
+          </a:fontRef>
+        </p:style>
+        <p:txBody>
+          <a:bodyPr rtlCol="0" anchor="ctr"/>
+          <a:lstStyle/>
+          <a:p>
+            <a:pPr algn="ctr"/>
+            <a:endParaRPr lang="ko-KR" altLang="en-US"/>
+          </a:p>
+        </p:txBody>
+      </p:sp>
+    </p:spTree>
+    <p:extLst>
+      <p:ext uri="{BB962C8B-B14F-4D97-AF65-F5344CB8AC3E}">
+        <p14:creationId xmlns:p14="http://schemas.microsoft.com/office/powerpoint/2010/main" val="478125693"/>
+      </p:ext>
+    </p:extLst>
+  </p:cSld>
+  <p:clrMapOvr>
+    <a:masterClrMapping/>
+  </p:clrMapOvr>
+</p:sld>
+</file>
+
+<file path=ppt/slides/slide9.xml><?xml version="1.0" encoding="utf-8"?>
+<p:sld xmlns:a="http://schemas.openxmlformats.org/drawingml/2006/main" xmlns:r="http://schemas.openxmlformats.org/officeDocument/2006/relationships" xmlns:p="http://schemas.openxmlformats.org/presentationml/2006/main">
+  <p:cSld>
+    <p:bg>
+      <p:bgPr>
+        <a:solidFill>
+          <a:srgbClr val="EBF4F7"/>
+        </a:solidFill>
+        <a:effectLst/>
+      </p:bgPr>
+    </p:bg>
+    <p:spTree>
+      <p:nvGrpSpPr>
+        <p:cNvPr id="1" name=""/>
+        <p:cNvGrpSpPr/>
+        <p:nvPr/>
+      </p:nvGrpSpPr>
+      <p:grpSpPr>
+        <a:xfrm>
+          <a:off x="0" y="0"/>
+          <a:ext cx="0" cy="0"/>
+          <a:chOff x="0" y="0"/>
+          <a:chExt cx="0" cy="0"/>
+        </a:xfrm>
+      </p:grpSpPr>
+      <p:pic>
+        <p:nvPicPr>
+          <p:cNvPr id="2" name="Picture 2"/>
+          <p:cNvPicPr>
+            <a:picLocks noChangeAspect="1"/>
+          </p:cNvPicPr>
+          <p:nvPr/>
+        </p:nvPicPr>
+        <p:blipFill>
+          <a:blip r:embed="rId2"/>
+          <a:stretch>
+            <a:fillRect/>
+          </a:stretch>
+        </p:blipFill>
+        <p:spPr>
+          <a:xfrm>
+            <a:off x="438150" y="412750"/>
+            <a:ext cx="17411700" cy="9461500"/>
+          </a:xfrm>
+          <a:prstGeom prst="rect">
+            <a:avLst/>
+          </a:prstGeom>
+        </p:spPr>
+      </p:pic>
       <p:grpSp>
         <p:nvGrpSpPr>
           <p:cNvPr id="3" name="Group 3"/>
@@ -25594,7 +26003,7 @@
                 </a:solidFill>
                 <a:latin typeface="나눔스퀘어OTF" panose="020B0600000101010101" pitchFamily="34" charset="-127"/>
               </a:rPr>
-              <a:t>8</a:t>
+              <a:t>9</a:t>
             </a:r>
             <a:endParaRPr lang="en-US" sz="1800" b="0" i="0" u="none" strike="noStrike" dirty="0">
               <a:solidFill>
@@ -26484,530 +26893,6 @@
 </p:sld>
 </file>
 
-<file path=ppt/slides/slide9.xml><?xml version="1.0" encoding="utf-8"?>
-<p:sld xmlns:a="http://schemas.openxmlformats.org/drawingml/2006/main" xmlns:r="http://schemas.openxmlformats.org/officeDocument/2006/relationships" xmlns:p="http://schemas.openxmlformats.org/presentationml/2006/main">
-  <p:cSld>
-    <p:bg>
-      <p:bgPr>
-        <a:solidFill>
-          <a:srgbClr val="EBF4F7"/>
-        </a:solidFill>
-        <a:effectLst/>
-      </p:bgPr>
-    </p:bg>
-    <p:spTree>
-      <p:nvGrpSpPr>
-        <p:cNvPr id="1" name=""/>
-        <p:cNvGrpSpPr/>
-        <p:nvPr/>
-      </p:nvGrpSpPr>
-      <p:grpSpPr>
-        <a:xfrm>
-          <a:off x="0" y="0"/>
-          <a:ext cx="0" cy="0"/>
-          <a:chOff x="0" y="0"/>
-          <a:chExt cx="0" cy="0"/>
-        </a:xfrm>
-      </p:grpSpPr>
-      <p:pic>
-        <p:nvPicPr>
-          <p:cNvPr id="2" name="Picture 2"/>
-          <p:cNvPicPr>
-            <a:picLocks noChangeAspect="1"/>
-          </p:cNvPicPr>
-          <p:nvPr/>
-        </p:nvPicPr>
-        <p:blipFill>
-          <a:blip r:embed="rId2"/>
-          <a:stretch>
-            <a:fillRect/>
-          </a:stretch>
-        </p:blipFill>
-        <p:spPr>
-          <a:xfrm>
-            <a:off x="438150" y="412750"/>
-            <a:ext cx="17411700" cy="9461500"/>
-          </a:xfrm>
-          <a:prstGeom prst="rect">
-            <a:avLst/>
-          </a:prstGeom>
-        </p:spPr>
-      </p:pic>
-      <p:pic>
-        <p:nvPicPr>
-          <p:cNvPr id="12" name="그림 11" descr="그래프, 라인, 도표이(가) 표시된 사진&#10;&#10;자동 생성된 설명">
-            <a:extLst>
-              <a:ext uri="{FF2B5EF4-FFF2-40B4-BE49-F238E27FC236}">
-                <a16:creationId xmlns:a16="http://schemas.microsoft.com/office/drawing/2014/main" id="{8EFAAE36-DD4E-6689-CABB-01CBA5B14F6E}"/>
-              </a:ext>
-            </a:extLst>
-          </p:cNvPr>
-          <p:cNvPicPr>
-            <a:picLocks noChangeAspect="1"/>
-          </p:cNvPicPr>
-          <p:nvPr/>
-        </p:nvPicPr>
-        <p:blipFill>
-          <a:blip r:embed="rId3">
-            <a:extLst>
-              <a:ext uri="{28A0092B-C50C-407E-A947-70E740481C1C}">
-                <a14:useLocalDpi xmlns:a14="http://schemas.microsoft.com/office/drawing/2010/main" val="0"/>
-              </a:ext>
-            </a:extLst>
-          </a:blip>
-          <a:stretch>
-            <a:fillRect/>
-          </a:stretch>
-        </p:blipFill>
-        <p:spPr>
-          <a:xfrm>
-            <a:off x="1051294" y="2603905"/>
-            <a:ext cx="16185411" cy="6381345"/>
-          </a:xfrm>
-          <a:prstGeom prst="rect">
-            <a:avLst/>
-          </a:prstGeom>
-        </p:spPr>
-      </p:pic>
-      <p:grpSp>
-        <p:nvGrpSpPr>
-          <p:cNvPr id="3" name="Group 3"/>
-          <p:cNvGrpSpPr/>
-          <p:nvPr/>
-        </p:nvGrpSpPr>
-        <p:grpSpPr>
-          <a:xfrm>
-            <a:off x="2147483647" y="2147483647"/>
-            <a:ext cx="2147483647" cy="2147483647"/>
-            <a:chOff x="0" y="0"/>
-            <a:chExt cx="0" cy="0"/>
-          </a:xfrm>
-        </p:grpSpPr>
-      </p:grpSp>
-      <p:pic>
-        <p:nvPicPr>
-          <p:cNvPr id="4" name="Picture 4"/>
-          <p:cNvPicPr>
-            <a:picLocks noChangeAspect="1"/>
-          </p:cNvPicPr>
-          <p:nvPr/>
-        </p:nvPicPr>
-        <p:blipFill>
-          <a:blip r:embed="rId4"/>
-          <a:stretch>
-            <a:fillRect/>
-          </a:stretch>
-        </p:blipFill>
-        <p:spPr>
-          <a:xfrm>
-            <a:off x="8509000" y="9372600"/>
-            <a:ext cx="1295400" cy="1092200"/>
-          </a:xfrm>
-          <a:prstGeom prst="rect">
-            <a:avLst/>
-          </a:prstGeom>
-        </p:spPr>
-      </p:pic>
-      <p:sp>
-        <p:nvSpPr>
-          <p:cNvPr id="5" name="TextBox 5"/>
-          <p:cNvSpPr txBox="1"/>
-          <p:nvPr/>
-        </p:nvSpPr>
-        <p:spPr>
-          <a:xfrm>
-            <a:off x="8750300" y="9575800"/>
-            <a:ext cx="787400" cy="317500"/>
-          </a:xfrm>
-          <a:prstGeom prst="rect">
-            <a:avLst/>
-          </a:prstGeom>
-        </p:spPr>
-        <p:txBody>
-          <a:bodyPr lIns="0" tIns="0" rIns="0" bIns="0" rtlCol="0" anchor="ctr"/>
-          <a:lstStyle/>
-          <a:p>
-            <a:pPr lvl="0" algn="ctr">
-              <a:lnSpc>
-                <a:spcPct val="120000"/>
-              </a:lnSpc>
-            </a:pPr>
-            <a:r>
-              <a:rPr lang="en-US" sz="1800" b="0" i="0" u="none" strike="noStrike" dirty="0">
-                <a:solidFill>
-                  <a:srgbClr val="4FA8CA"/>
-                </a:solidFill>
-                <a:latin typeface="나눔스퀘어OTF" panose="020B0600000101010101" pitchFamily="34" charset="-127"/>
-              </a:rPr>
-              <a:t>0</a:t>
-            </a:r>
-            <a:r>
-              <a:rPr lang="en-US" dirty="0">
-                <a:solidFill>
-                  <a:srgbClr val="4FA8CA"/>
-                </a:solidFill>
-                <a:latin typeface="나눔스퀘어OTF" panose="020B0600000101010101" pitchFamily="34" charset="-127"/>
-              </a:rPr>
-              <a:t>9</a:t>
-            </a:r>
-            <a:endParaRPr lang="en-US" sz="1800" b="0" i="0" u="none" strike="noStrike" dirty="0">
-              <a:solidFill>
-                <a:srgbClr val="4FA8CA"/>
-              </a:solidFill>
-              <a:latin typeface="나눔스퀘어OTF" panose="020B0600000101010101" pitchFamily="34" charset="-127"/>
-            </a:endParaRPr>
-          </a:p>
-        </p:txBody>
-      </p:sp>
-      <p:pic>
-        <p:nvPicPr>
-          <p:cNvPr id="6" name="Picture 6"/>
-          <p:cNvPicPr>
-            <a:picLocks noChangeAspect="1"/>
-          </p:cNvPicPr>
-          <p:nvPr/>
-        </p:nvPicPr>
-        <p:blipFill>
-          <a:blip r:embed="rId5"/>
-          <a:stretch>
-            <a:fillRect/>
-          </a:stretch>
-        </p:blipFill>
-        <p:spPr>
-          <a:xfrm>
-            <a:off x="6553200" y="1778000"/>
-            <a:ext cx="5181600" cy="558800"/>
-          </a:xfrm>
-          <a:prstGeom prst="rect">
-            <a:avLst/>
-          </a:prstGeom>
-        </p:spPr>
-      </p:pic>
-      <p:sp>
-        <p:nvSpPr>
-          <p:cNvPr id="7" name="TextBox 7"/>
-          <p:cNvSpPr txBox="1"/>
-          <p:nvPr/>
-        </p:nvSpPr>
-        <p:spPr>
-          <a:xfrm>
-            <a:off x="14478000" y="762000"/>
-            <a:ext cx="3022600" cy="304800"/>
-          </a:xfrm>
-          <a:prstGeom prst="rect">
-            <a:avLst/>
-          </a:prstGeom>
-        </p:spPr>
-        <p:txBody>
-          <a:bodyPr lIns="0" tIns="0" rIns="0" bIns="0" rtlCol="0" anchor="ctr"/>
-          <a:lstStyle/>
-          <a:p>
-            <a:pPr lvl="0" algn="r">
-              <a:lnSpc>
-                <a:spcPct val="120000"/>
-              </a:lnSpc>
-            </a:pPr>
-            <a:r>
-              <a:rPr lang="en-US" sz="1700" b="0" i="0" u="none" strike="noStrike" spc="200" dirty="0">
-                <a:solidFill>
-                  <a:srgbClr val="4FA8CA"/>
-                </a:solidFill>
-                <a:latin typeface="나눔스퀘어OTF" panose="020B0600000101010101" pitchFamily="34" charset="-127"/>
-              </a:rPr>
-              <a:t>DECS</a:t>
-            </a:r>
-          </a:p>
-        </p:txBody>
-      </p:sp>
-      <p:pic>
-        <p:nvPicPr>
-          <p:cNvPr id="8" name="Picture 8"/>
-          <p:cNvPicPr>
-            <a:picLocks noChangeAspect="1"/>
-          </p:cNvPicPr>
-          <p:nvPr/>
-        </p:nvPicPr>
-        <p:blipFill>
-          <a:blip r:embed="rId6"/>
-          <a:stretch>
-            <a:fillRect/>
-          </a:stretch>
-        </p:blipFill>
-        <p:spPr>
-          <a:xfrm>
-            <a:off x="6070600" y="-25400"/>
-            <a:ext cx="6159500" cy="838200"/>
-          </a:xfrm>
-          <a:prstGeom prst="rect">
-            <a:avLst/>
-          </a:prstGeom>
-        </p:spPr>
-      </p:pic>
-      <p:sp>
-        <p:nvSpPr>
-          <p:cNvPr id="26" name="TextBox 26"/>
-          <p:cNvSpPr txBox="1"/>
-          <p:nvPr/>
-        </p:nvSpPr>
-        <p:spPr>
-          <a:xfrm>
-            <a:off x="6864350" y="1524000"/>
-            <a:ext cx="4559300" cy="1066800"/>
-          </a:xfrm>
-          <a:prstGeom prst="rect">
-            <a:avLst/>
-          </a:prstGeom>
-        </p:spPr>
-        <p:txBody>
-          <a:bodyPr lIns="0" tIns="0" rIns="0" bIns="0" rtlCol="0" anchor="ctr"/>
-          <a:lstStyle/>
-          <a:p>
-            <a:pPr lvl="0" algn="ctr">
-              <a:lnSpc>
-                <a:spcPct val="120000"/>
-              </a:lnSpc>
-            </a:pPr>
-            <a:r>
-              <a:rPr lang="ko-KR" altLang="en-US" sz="6000" b="0" i="0" u="none" strike="noStrike" dirty="0">
-                <a:solidFill>
-                  <a:srgbClr val="4FA8CA"/>
-                </a:solidFill>
-                <a:latin typeface="나눔스퀘어OTF Bold" panose="020B0600000101010101" pitchFamily="34" charset="-127"/>
-                <a:ea typeface="나눔스퀘어OTF Bold" panose="020B0600000101010101" pitchFamily="34" charset="-127"/>
-              </a:rPr>
-              <a:t>웨이브폼</a:t>
-            </a:r>
-            <a:endParaRPr lang="en-US" sz="6000" b="0" i="0" u="none" strike="noStrike" dirty="0">
-              <a:solidFill>
-                <a:srgbClr val="4FA8CA"/>
-              </a:solidFill>
-              <a:latin typeface="나눔스퀘어OTF Bold" panose="020B0600000101010101" pitchFamily="34" charset="-127"/>
-              <a:ea typeface="나눔스퀘어OTF Bold" panose="020B0600000101010101" pitchFamily="34" charset="-127"/>
-            </a:endParaRPr>
-          </a:p>
-        </p:txBody>
-      </p:sp>
-      <p:sp>
-        <p:nvSpPr>
-          <p:cNvPr id="11" name="직사각형 10">
-            <a:extLst>
-              <a:ext uri="{FF2B5EF4-FFF2-40B4-BE49-F238E27FC236}">
-                <a16:creationId xmlns:a16="http://schemas.microsoft.com/office/drawing/2014/main" id="{BB451482-66A1-9801-BEF9-CE0B5E4DC958}"/>
-              </a:ext>
-            </a:extLst>
-          </p:cNvPr>
-          <p:cNvSpPr/>
-          <p:nvPr/>
-        </p:nvSpPr>
-        <p:spPr>
-          <a:xfrm>
-            <a:off x="8153400" y="2880000"/>
-            <a:ext cx="2514600" cy="2488300"/>
-          </a:xfrm>
-          <a:prstGeom prst="rect">
-            <a:avLst/>
-          </a:prstGeom>
-          <a:noFill/>
-          <a:ln w="63500">
-            <a:solidFill>
-              <a:srgbClr val="FF0000"/>
-            </a:solidFill>
-          </a:ln>
-        </p:spPr>
-        <p:style>
-          <a:lnRef idx="2">
-            <a:schemeClr val="accent1">
-              <a:shade val="15000"/>
-            </a:schemeClr>
-          </a:lnRef>
-          <a:fillRef idx="1">
-            <a:schemeClr val="accent1"/>
-          </a:fillRef>
-          <a:effectRef idx="0">
-            <a:schemeClr val="accent1"/>
-          </a:effectRef>
-          <a:fontRef idx="minor">
-            <a:schemeClr val="lt1"/>
-          </a:fontRef>
-        </p:style>
-        <p:txBody>
-          <a:bodyPr rtlCol="0" anchor="ctr"/>
-          <a:lstStyle/>
-          <a:p>
-            <a:pPr algn="ctr"/>
-            <a:endParaRPr lang="ko-KR" altLang="en-US" dirty="0"/>
-          </a:p>
-        </p:txBody>
-      </p:sp>
-      <p:sp>
-        <p:nvSpPr>
-          <p:cNvPr id="14" name="직사각형 13">
-            <a:extLst>
-              <a:ext uri="{FF2B5EF4-FFF2-40B4-BE49-F238E27FC236}">
-                <a16:creationId xmlns:a16="http://schemas.microsoft.com/office/drawing/2014/main" id="{C74B8061-F2B7-EFDB-8DC6-96E12F3CB292}"/>
-              </a:ext>
-            </a:extLst>
-          </p:cNvPr>
-          <p:cNvSpPr/>
-          <p:nvPr/>
-        </p:nvSpPr>
-        <p:spPr>
-          <a:xfrm>
-            <a:off x="8153400" y="6048000"/>
-            <a:ext cx="2108199" cy="2488300"/>
-          </a:xfrm>
-          <a:prstGeom prst="rect">
-            <a:avLst/>
-          </a:prstGeom>
-          <a:noFill/>
-          <a:ln w="63500">
-            <a:solidFill>
-              <a:srgbClr val="FF0000"/>
-            </a:solidFill>
-          </a:ln>
-        </p:spPr>
-        <p:style>
-          <a:lnRef idx="2">
-            <a:schemeClr val="accent1">
-              <a:shade val="15000"/>
-            </a:schemeClr>
-          </a:lnRef>
-          <a:fillRef idx="1">
-            <a:schemeClr val="accent1"/>
-          </a:fillRef>
-          <a:effectRef idx="0">
-            <a:schemeClr val="accent1"/>
-          </a:effectRef>
-          <a:fontRef idx="minor">
-            <a:schemeClr val="lt1"/>
-          </a:fontRef>
-        </p:style>
-        <p:txBody>
-          <a:bodyPr rtlCol="0" anchor="ctr"/>
-          <a:lstStyle/>
-          <a:p>
-            <a:pPr algn="ctr"/>
-            <a:endParaRPr lang="ko-KR" altLang="en-US"/>
-          </a:p>
-        </p:txBody>
-      </p:sp>
-      <p:sp>
-        <p:nvSpPr>
-          <p:cNvPr id="17" name="직사각형 16">
-            <a:extLst>
-              <a:ext uri="{FF2B5EF4-FFF2-40B4-BE49-F238E27FC236}">
-                <a16:creationId xmlns:a16="http://schemas.microsoft.com/office/drawing/2014/main" id="{68BCAB63-CE43-D719-5363-745BD8A11029}"/>
-              </a:ext>
-            </a:extLst>
-          </p:cNvPr>
-          <p:cNvSpPr/>
-          <p:nvPr/>
-        </p:nvSpPr>
-        <p:spPr>
-          <a:xfrm>
-            <a:off x="15316200" y="2880000"/>
-            <a:ext cx="1219200" cy="2488300"/>
-          </a:xfrm>
-          <a:prstGeom prst="rect">
-            <a:avLst/>
-          </a:prstGeom>
-          <a:noFill/>
-          <a:ln w="63500">
-            <a:solidFill>
-              <a:srgbClr val="FF0000"/>
-            </a:solidFill>
-          </a:ln>
-        </p:spPr>
-        <p:style>
-          <a:lnRef idx="2">
-            <a:schemeClr val="accent1">
-              <a:shade val="15000"/>
-            </a:schemeClr>
-          </a:lnRef>
-          <a:fillRef idx="1">
-            <a:schemeClr val="accent1"/>
-          </a:fillRef>
-          <a:effectRef idx="0">
-            <a:schemeClr val="accent1"/>
-          </a:effectRef>
-          <a:fontRef idx="minor">
-            <a:schemeClr val="lt1"/>
-          </a:fontRef>
-        </p:style>
-        <p:txBody>
-          <a:bodyPr rtlCol="0" anchor="ctr"/>
-          <a:lstStyle/>
-          <a:p>
-            <a:pPr algn="ctr"/>
-            <a:endParaRPr lang="ko-KR" altLang="en-US" dirty="0"/>
-          </a:p>
-        </p:txBody>
-      </p:sp>
-      <p:sp>
-        <p:nvSpPr>
-          <p:cNvPr id="18" name="직사각형 17">
-            <a:extLst>
-              <a:ext uri="{FF2B5EF4-FFF2-40B4-BE49-F238E27FC236}">
-                <a16:creationId xmlns:a16="http://schemas.microsoft.com/office/drawing/2014/main" id="{9D357B30-30CC-CC45-B405-DD356F665826}"/>
-              </a:ext>
-            </a:extLst>
-          </p:cNvPr>
-          <p:cNvSpPr/>
-          <p:nvPr/>
-        </p:nvSpPr>
-        <p:spPr>
-          <a:xfrm>
-            <a:off x="14935200" y="6048000"/>
-            <a:ext cx="1752600" cy="2488300"/>
-          </a:xfrm>
-          <a:prstGeom prst="rect">
-            <a:avLst/>
-          </a:prstGeom>
-          <a:noFill/>
-          <a:ln w="63500">
-            <a:solidFill>
-              <a:srgbClr val="FF0000"/>
-            </a:solidFill>
-          </a:ln>
-        </p:spPr>
-        <p:style>
-          <a:lnRef idx="2">
-            <a:schemeClr val="accent1">
-              <a:shade val="15000"/>
-            </a:schemeClr>
-          </a:lnRef>
-          <a:fillRef idx="1">
-            <a:schemeClr val="accent1"/>
-          </a:fillRef>
-          <a:effectRef idx="0">
-            <a:schemeClr val="accent1"/>
-          </a:effectRef>
-          <a:fontRef idx="minor">
-            <a:schemeClr val="lt1"/>
-          </a:fontRef>
-        </p:style>
-        <p:txBody>
-          <a:bodyPr rtlCol="0" anchor="ctr"/>
-          <a:lstStyle/>
-          <a:p>
-            <a:pPr algn="ctr"/>
-            <a:endParaRPr lang="ko-KR" altLang="en-US"/>
-          </a:p>
-        </p:txBody>
-      </p:sp>
-    </p:spTree>
-    <p:extLst>
-      <p:ext uri="{BB962C8B-B14F-4D97-AF65-F5344CB8AC3E}">
-        <p14:creationId xmlns:p14="http://schemas.microsoft.com/office/powerpoint/2010/main" val="478125693"/>
-      </p:ext>
-    </p:extLst>
-  </p:cSld>
-  <p:clrMapOvr>
-    <a:masterClrMapping/>
-  </p:clrMapOvr>
-</p:sld>
-</file>
-
 <file path=ppt/theme/theme1.xml><?xml version="1.0" encoding="utf-8"?>
 <a:theme xmlns:a="http://schemas.openxmlformats.org/drawingml/2006/main" name="Office Theme">
   <a:themeElements>
